--- a/Homework_Jacqueline/Neuroinformatic/NI_Lecture.pptx
+++ b/Homework_Jacqueline/Neuroinformatic/NI_Lecture.pptx
@@ -5,10 +5,10 @@
     <p:sldMasterId id="2147483704" r:id="rId1"/>
   </p:sldMasterIdLst>
   <p:notesMasterIdLst>
-    <p:notesMasterId r:id="rId26"/>
+    <p:notesMasterId r:id="rId31"/>
   </p:notesMasterIdLst>
   <p:handoutMasterIdLst>
-    <p:handoutMasterId r:id="rId27"/>
+    <p:handoutMasterId r:id="rId32"/>
   </p:handoutMasterIdLst>
   <p:sldIdLst>
     <p:sldId id="461" r:id="rId2"/>
@@ -32,14 +32,19 @@
     <p:sldId id="479" r:id="rId20"/>
     <p:sldId id="464" r:id="rId21"/>
     <p:sldId id="485" r:id="rId22"/>
-    <p:sldId id="456" r:id="rId23"/>
-    <p:sldId id="486" r:id="rId24"/>
-    <p:sldId id="487" r:id="rId25"/>
+    <p:sldId id="488" r:id="rId23"/>
+    <p:sldId id="456" r:id="rId24"/>
+    <p:sldId id="489" r:id="rId25"/>
+    <p:sldId id="490" r:id="rId26"/>
+    <p:sldId id="491" r:id="rId27"/>
+    <p:sldId id="486" r:id="rId28"/>
+    <p:sldId id="492" r:id="rId29"/>
+    <p:sldId id="487" r:id="rId30"/>
   </p:sldIdLst>
   <p:sldSz cx="9144000" cy="6858000" type="screen4x3"/>
   <p:notesSz cx="7010400" cy="9398000"/>
   <p:custDataLst>
-    <p:tags r:id="rId28"/>
+    <p:tags r:id="rId33"/>
   </p:custDataLst>
   <p:defaultTextStyle>
     <a:defPPr>
@@ -11273,10 +11278,10 @@
       </p:sp>
       <p:sp>
         <p:nvSpPr>
-          <p:cNvPr id="3" name="Rechteck 2">
+          <p:cNvPr id="5" name="Rechteck 4">
             <a:extLst>
               <a:ext uri="{FF2B5EF4-FFF2-40B4-BE49-F238E27FC236}">
-                <a16:creationId xmlns:a16="http://schemas.microsoft.com/office/drawing/2014/main" id="{6E6FAC5C-6CFA-4626-A96D-2F57444948B9}"/>
+                <a16:creationId xmlns:a16="http://schemas.microsoft.com/office/drawing/2014/main" id="{CE03583A-0DEC-423C-8844-2E91551FB967}"/>
               </a:ext>
             </a:extLst>
           </p:cNvPr>
@@ -11317,26 +11322,13 @@
           <a:lstStyle/>
           <a:p>
             <a:r>
-              <a:rPr lang="de-DE" b="1" dirty="0" err="1"/>
-              <a:t>Representing</a:t>
+              <a:rPr lang="de-DE" sz="2000" b="1" dirty="0"/>
+              <a:t>       </a:t>
             </a:r>
             <a:r>
-              <a:rPr lang="de-DE" b="1" dirty="0"/>
-              <a:t> </a:t>
+              <a:rPr lang="en-US" sz="2000" b="1" dirty="0"/>
+              <a:t>Representing knowledge: BBB example</a:t>
             </a:r>
-            <a:r>
-              <a:rPr lang="de-DE" b="1" dirty="0" err="1"/>
-              <a:t>knowledge</a:t>
-            </a:r>
-            <a:r>
-              <a:rPr lang="de-DE" b="1" dirty="0"/>
-              <a:t>: BBB </a:t>
-            </a:r>
-            <a:r>
-              <a:rPr lang="de-DE" b="1" dirty="0" err="1"/>
-              <a:t>example</a:t>
-            </a:r>
-            <a:endParaRPr lang="de-DE" b="1" dirty="0"/>
           </a:p>
         </p:txBody>
       </p:sp>
@@ -12611,7 +12603,42 @@
                           <m:nor/>
                         </m:rPr>
                         <a:rPr lang="de-DE" dirty="0"/>
-                        <m:t>=1)=0,9</m:t>
+                        <m:t>=</m:t>
+                      </m:r>
+                      <m:r>
+                        <m:rPr>
+                          <m:nor/>
+                        </m:rPr>
+                        <a:rPr lang="de-DE" dirty="0"/>
+                        <m:t>1</m:t>
+                      </m:r>
+                      <m:r>
+                        <m:rPr>
+                          <m:nor/>
+                        </m:rPr>
+                        <a:rPr lang="de-DE" dirty="0"/>
+                        <m:t>)=</m:t>
+                      </m:r>
+                      <m:r>
+                        <m:rPr>
+                          <m:nor/>
+                        </m:rPr>
+                        <a:rPr lang="de-DE" dirty="0"/>
+                        <m:t>0</m:t>
+                      </m:r>
+                      <m:r>
+                        <m:rPr>
+                          <m:nor/>
+                        </m:rPr>
+                        <a:rPr lang="de-DE" dirty="0"/>
+                        <m:t>,</m:t>
+                      </m:r>
+                      <m:r>
+                        <m:rPr>
+                          <m:nor/>
+                        </m:rPr>
+                        <a:rPr lang="de-DE" dirty="0"/>
+                        <m:t>9</m:t>
                       </m:r>
                     </m:oMath>
                   </m:oMathPara>
@@ -12652,7 +12679,42 @@
                           <m:nor/>
                         </m:rPr>
                         <a:rPr lang="de-DE" dirty="0" smtClean="0"/>
-                        <m:t>=0)=0,1</m:t>
+                        <m:t>=</m:t>
+                      </m:r>
+                      <m:r>
+                        <m:rPr>
+                          <m:nor/>
+                        </m:rPr>
+                        <a:rPr lang="de-DE" dirty="0" smtClean="0"/>
+                        <m:t>0</m:t>
+                      </m:r>
+                      <m:r>
+                        <m:rPr>
+                          <m:nor/>
+                        </m:rPr>
+                        <a:rPr lang="de-DE" dirty="0" smtClean="0"/>
+                        <m:t>)=</m:t>
+                      </m:r>
+                      <m:r>
+                        <m:rPr>
+                          <m:nor/>
+                        </m:rPr>
+                        <a:rPr lang="de-DE" dirty="0" smtClean="0"/>
+                        <m:t>0</m:t>
+                      </m:r>
+                      <m:r>
+                        <m:rPr>
+                          <m:nor/>
+                        </m:rPr>
+                        <a:rPr lang="de-DE" dirty="0" smtClean="0"/>
+                        <m:t>,</m:t>
+                      </m:r>
+                      <m:r>
+                        <m:rPr>
+                          <m:nor/>
+                        </m:rPr>
+                        <a:rPr lang="de-DE" dirty="0" smtClean="0"/>
+                        <m:t>1</m:t>
                       </m:r>
                     </m:oMath>
                   </m:oMathPara>
@@ -12904,10 +12966,10 @@
       </p:sp>
       <p:sp>
         <p:nvSpPr>
-          <p:cNvPr id="3" name="Rechteck 2">
+          <p:cNvPr id="10" name="Rechteck 9">
             <a:extLst>
               <a:ext uri="{FF2B5EF4-FFF2-40B4-BE49-F238E27FC236}">
-                <a16:creationId xmlns:a16="http://schemas.microsoft.com/office/drawing/2014/main" id="{ADF7E3F2-C765-4927-A1DD-D9852883670C}"/>
+                <a16:creationId xmlns:a16="http://schemas.microsoft.com/office/drawing/2014/main" id="{14F0997C-0C88-426D-8C17-EF0C59935E3F}"/>
               </a:ext>
             </a:extLst>
           </p:cNvPr>
@@ -12948,26 +13010,13 @@
           <a:lstStyle/>
           <a:p>
             <a:r>
-              <a:rPr lang="de-DE" b="1" dirty="0" err="1"/>
-              <a:t>Representing</a:t>
+              <a:rPr lang="de-DE" sz="2000" b="1" dirty="0"/>
+              <a:t>       </a:t>
             </a:r>
             <a:r>
-              <a:rPr lang="de-DE" b="1" dirty="0"/>
-              <a:t> </a:t>
+              <a:rPr lang="en-US" sz="2000" b="1" dirty="0"/>
+              <a:t>Representing knowledge: BBB example</a:t>
             </a:r>
-            <a:r>
-              <a:rPr lang="de-DE" b="1" dirty="0" err="1"/>
-              <a:t>knowledge</a:t>
-            </a:r>
-            <a:r>
-              <a:rPr lang="de-DE" b="1" dirty="0"/>
-              <a:t>: Given </a:t>
-            </a:r>
-            <a:r>
-              <a:rPr lang="de-DE" b="1" dirty="0" err="1"/>
-              <a:t>probabilities</a:t>
-            </a:r>
-            <a:endParaRPr lang="de-DE" b="1" dirty="0"/>
           </a:p>
         </p:txBody>
       </p:sp>
@@ -14874,58 +14923,6 @@
       </p:cxnSp>
       <p:sp>
         <p:nvSpPr>
-          <p:cNvPr id="3" name="Rechteck 2">
-            <a:extLst>
-              <a:ext uri="{FF2B5EF4-FFF2-40B4-BE49-F238E27FC236}">
-                <a16:creationId xmlns:a16="http://schemas.microsoft.com/office/drawing/2014/main" id="{73A85865-F952-4E18-A9AD-EB6BF226E73E}"/>
-              </a:ext>
-            </a:extLst>
-          </p:cNvPr>
-          <p:cNvSpPr/>
-          <p:nvPr/>
-        </p:nvSpPr>
-        <p:spPr>
-          <a:xfrm>
-            <a:off x="-27709" y="0"/>
-            <a:ext cx="7162800" cy="381000"/>
-          </a:xfrm>
-          <a:prstGeom prst="rect">
-            <a:avLst/>
-          </a:prstGeom>
-          <a:noFill/>
-          <a:ln>
-            <a:noFill/>
-          </a:ln>
-        </p:spPr>
-        <p:style>
-          <a:lnRef idx="2">
-            <a:schemeClr val="accent1">
-              <a:shade val="50000"/>
-            </a:schemeClr>
-          </a:lnRef>
-          <a:fillRef idx="1">
-            <a:schemeClr val="accent1"/>
-          </a:fillRef>
-          <a:effectRef idx="0">
-            <a:schemeClr val="accent1"/>
-          </a:effectRef>
-          <a:fontRef idx="minor">
-            <a:schemeClr val="lt1"/>
-          </a:fontRef>
-        </p:style>
-        <p:txBody>
-          <a:bodyPr rtlCol="0" anchor="ctr"/>
-          <a:lstStyle/>
-          <a:p>
-            <a:r>
-              <a:rPr lang="en-AU" b="1"/>
-              <a:t>Representing knowledge: Calculation approach</a:t>
-            </a:r>
-          </a:p>
-        </p:txBody>
-      </p:sp>
-      <p:sp>
-        <p:nvSpPr>
           <p:cNvPr id="5" name="Rechteck 4">
             <a:extLst>
               <a:ext uri="{FF2B5EF4-FFF2-40B4-BE49-F238E27FC236}">
@@ -14977,6 +14974,62 @@
           <a:p>
             <a:pPr algn="ctr"/>
             <a:endParaRPr lang="en-AU"/>
+          </a:p>
+        </p:txBody>
+      </p:sp>
+      <p:sp>
+        <p:nvSpPr>
+          <p:cNvPr id="8" name="Rechteck 7">
+            <a:extLst>
+              <a:ext uri="{FF2B5EF4-FFF2-40B4-BE49-F238E27FC236}">
+                <a16:creationId xmlns:a16="http://schemas.microsoft.com/office/drawing/2014/main" id="{E4E5A4FF-834C-4E55-97EA-42F27A3762EF}"/>
+              </a:ext>
+            </a:extLst>
+          </p:cNvPr>
+          <p:cNvSpPr/>
+          <p:nvPr/>
+        </p:nvSpPr>
+        <p:spPr>
+          <a:xfrm>
+            <a:off x="-27709" y="0"/>
+            <a:ext cx="7162800" cy="381000"/>
+          </a:xfrm>
+          <a:prstGeom prst="rect">
+            <a:avLst/>
+          </a:prstGeom>
+          <a:noFill/>
+          <a:ln>
+            <a:noFill/>
+          </a:ln>
+        </p:spPr>
+        <p:style>
+          <a:lnRef idx="2">
+            <a:schemeClr val="accent1">
+              <a:shade val="50000"/>
+            </a:schemeClr>
+          </a:lnRef>
+          <a:fillRef idx="1">
+            <a:schemeClr val="accent1"/>
+          </a:fillRef>
+          <a:effectRef idx="0">
+            <a:schemeClr val="accent1"/>
+          </a:effectRef>
+          <a:fontRef idx="minor">
+            <a:schemeClr val="lt1"/>
+          </a:fontRef>
+        </p:style>
+        <p:txBody>
+          <a:bodyPr rtlCol="0" anchor="ctr"/>
+          <a:lstStyle/>
+          <a:p>
+            <a:r>
+              <a:rPr lang="de-DE" sz="2000" b="1" dirty="0"/>
+              <a:t>       </a:t>
+            </a:r>
+            <a:r>
+              <a:rPr lang="en-US" sz="2000" b="1" dirty="0"/>
+              <a:t>Representing knowledge: Calculation approach</a:t>
+            </a:r>
           </a:p>
         </p:txBody>
       </p:sp>
@@ -15500,7 +15553,7 @@
                     </m:oMath>
                   </m:oMathPara>
                 </a14:m>
-                <a:endParaRPr lang="en-AU">
+                <a:endParaRPr lang="en-AU" dirty="0">
                   <a:solidFill>
                     <a:srgbClr val="000000"/>
                   </a:solidFill>
@@ -15508,7 +15561,7 @@
                 </a:endParaRPr>
               </a:p>
               <a:p>
-                <a:endParaRPr lang="en-AU">
+                <a:endParaRPr lang="en-AU" dirty="0">
                   <a:solidFill>
                     <a:srgbClr val="000000"/>
                   </a:solidFill>
@@ -15517,7 +15570,7 @@
               </a:p>
               <a:p>
                 <a:r>
-                  <a:rPr lang="en-AU" u="sng">
+                  <a:rPr lang="en-AU" u="sng" dirty="0">
                     <a:solidFill>
                       <a:srgbClr val="000000"/>
                     </a:solidFill>
@@ -15527,7 +15580,7 @@
                 </a:r>
               </a:p>
               <a:p>
-                <a:endParaRPr lang="en-AU">
+                <a:endParaRPr lang="en-AU" dirty="0">
                   <a:solidFill>
                     <a:srgbClr val="000000"/>
                   </a:solidFill>
@@ -15768,7 +15821,7 @@
                     </m:oMath>
                   </m:oMathPara>
                 </a14:m>
-                <a:endParaRPr lang="en-AU">
+                <a:endParaRPr lang="en-AU" dirty="0">
                   <a:solidFill>
                     <a:srgbClr val="000000"/>
                   </a:solidFill>
@@ -15776,7 +15829,7 @@
                 </a:endParaRPr>
               </a:p>
               <a:p>
-                <a:endParaRPr lang="en-AU">
+                <a:endParaRPr lang="en-AU" dirty="0">
                   <a:solidFill>
                     <a:srgbClr val="000000"/>
                   </a:solidFill>
@@ -15784,7 +15837,7 @@
                 </a:endParaRPr>
               </a:p>
               <a:p>
-                <a:endParaRPr lang="en-AU">
+                <a:endParaRPr lang="en-AU" dirty="0">
                   <a:solidFill>
                     <a:srgbClr val="000000"/>
                   </a:solidFill>
@@ -15793,17 +15846,35 @@
               </a:p>
               <a:p>
                 <a:r>
-                  <a:rPr lang="en-AU" u="sng">
+                  <a:rPr lang="en-AU" u="sng" dirty="0">
                     <a:solidFill>
                       <a:srgbClr val="000000"/>
                     </a:solidFill>
                     <a:latin typeface="+mj-lt"/>
                   </a:rPr>
-                  <a:t>2. Just margilize over M and A</a:t>
+                  <a:t>2. Just </a:t>
+                </a:r>
+                <a:r>
+                  <a:rPr lang="en-AU" u="sng" dirty="0" err="1">
+                    <a:solidFill>
+                      <a:srgbClr val="000000"/>
+                    </a:solidFill>
+                    <a:latin typeface="+mj-lt"/>
+                  </a:rPr>
+                  <a:t>margilize</a:t>
+                </a:r>
+                <a:r>
+                  <a:rPr lang="en-AU" u="sng" dirty="0">
+                    <a:solidFill>
+                      <a:srgbClr val="000000"/>
+                    </a:solidFill>
+                    <a:latin typeface="+mj-lt"/>
+                  </a:rPr>
+                  <a:t> over M and A</a:t>
                 </a:r>
               </a:p>
               <a:p>
-                <a:endParaRPr lang="en-AU">
+                <a:endParaRPr lang="en-AU" dirty="0">
                   <a:solidFill>
                     <a:srgbClr val="000000"/>
                   </a:solidFill>
@@ -16068,7 +16139,7 @@
                     </m:oMath>
                   </m:oMathPara>
                 </a14:m>
-                <a:endParaRPr lang="en-AU">
+                <a:endParaRPr lang="en-AU" dirty="0">
                   <a:solidFill>
                     <a:srgbClr val="000000"/>
                   </a:solidFill>
@@ -16076,7 +16147,7 @@
                 </a:endParaRPr>
               </a:p>
               <a:p>
-                <a:endParaRPr lang="en-AU">
+                <a:endParaRPr lang="en-AU" dirty="0">
                   <a:solidFill>
                     <a:srgbClr val="000000"/>
                   </a:solidFill>
@@ -16085,7 +16156,7 @@
               </a:p>
               <a:p>
                 <a:r>
-                  <a:rPr lang="en-AU" u="sng">
+                  <a:rPr lang="en-AU" u="sng" dirty="0">
                     <a:solidFill>
                       <a:srgbClr val="000000"/>
                     </a:solidFill>
@@ -16095,7 +16166,7 @@
                 </a:r>
               </a:p>
               <a:p>
-                <a:endParaRPr lang="en-AU">
+                <a:endParaRPr lang="en-AU" dirty="0">
                   <a:solidFill>
                     <a:srgbClr val="000000"/>
                   </a:solidFill>
@@ -16105,7 +16176,7 @@
               <a:p>
                 <a:pPr/>
                 <a:r>
-                  <a:rPr lang="en-AU">
+                  <a:rPr lang="en-AU" dirty="0">
                     <a:solidFill>
                       <a:srgbClr val="000000"/>
                     </a:solidFill>
@@ -16114,7 +16185,7 @@
                   <a:t>P(R=0) = </a:t>
                 </a:r>
                 <a:br>
-                  <a:rPr lang="en-AU">
+                  <a:rPr lang="en-AU" dirty="0">
                     <a:solidFill>
                       <a:srgbClr val="000000"/>
                     </a:solidFill>
@@ -16160,7 +16231,16 @@
                             </a:solidFill>
                             <a:latin typeface="Cambria Math" panose="02040503050406030204" pitchFamily="18" charset="0"/>
                           </a:rPr>
-                          <m:t>=0</m:t>
+                          <m:t>=</m:t>
+                        </m:r>
+                        <m:r>
+                          <a:rPr lang="en-AU" smtClean="0">
+                            <a:solidFill>
+                              <a:srgbClr val="000000"/>
+                            </a:solidFill>
+                            <a:latin typeface="Cambria Math" panose="02040503050406030204" pitchFamily="18" charset="0"/>
+                          </a:rPr>
+                          <m:t>0</m:t>
                         </m:r>
                       </m:e>
                     </m:d>
@@ -16213,7 +16293,16 @@
                             </a:solidFill>
                             <a:latin typeface="Cambria Math" panose="02040503050406030204" pitchFamily="18" charset="0"/>
                           </a:rPr>
-                          <m:t>=0</m:t>
+                          <m:t>=</m:t>
+                        </m:r>
+                        <m:r>
+                          <a:rPr lang="en-AU" smtClean="0">
+                            <a:solidFill>
+                              <a:srgbClr val="000000"/>
+                            </a:solidFill>
+                            <a:latin typeface="Cambria Math" panose="02040503050406030204" pitchFamily="18" charset="0"/>
+                          </a:rPr>
+                          <m:t>0</m:t>
                         </m:r>
                       </m:e>
                     </m:d>
@@ -16263,7 +16352,25 @@
                         </a:solidFill>
                         <a:latin typeface="Cambria Math" panose="02040503050406030204" pitchFamily="18" charset="0"/>
                       </a:rPr>
-                      <m:t>=0|</m:t>
+                      <m:t>=</m:t>
+                    </m:r>
+                    <m:r>
+                      <a:rPr lang="en-AU" smtClean="0">
+                        <a:solidFill>
+                          <a:srgbClr val="000000"/>
+                        </a:solidFill>
+                        <a:latin typeface="Cambria Math" panose="02040503050406030204" pitchFamily="18" charset="0"/>
+                      </a:rPr>
+                      <m:t>0</m:t>
+                    </m:r>
+                    <m:r>
+                      <a:rPr lang="en-AU" smtClean="0">
+                        <a:solidFill>
+                          <a:srgbClr val="000000"/>
+                        </a:solidFill>
+                        <a:latin typeface="Cambria Math" panose="02040503050406030204" pitchFamily="18" charset="0"/>
+                      </a:rPr>
+                      <m:t>|</m:t>
                     </m:r>
                     <m:r>
                       <a:rPr lang="en-AU" smtClean="0">
@@ -16281,7 +16388,25 @@
                         </a:solidFill>
                         <a:latin typeface="Cambria Math" panose="02040503050406030204" pitchFamily="18" charset="0"/>
                       </a:rPr>
-                      <m:t>=0,</m:t>
+                      <m:t>=</m:t>
+                    </m:r>
+                    <m:r>
+                      <a:rPr lang="en-AU" smtClean="0">
+                        <a:solidFill>
+                          <a:srgbClr val="000000"/>
+                        </a:solidFill>
+                        <a:latin typeface="Cambria Math" panose="02040503050406030204" pitchFamily="18" charset="0"/>
+                      </a:rPr>
+                      <m:t>0</m:t>
+                    </m:r>
+                    <m:r>
+                      <a:rPr lang="en-AU" smtClean="0">
+                        <a:solidFill>
+                          <a:srgbClr val="000000"/>
+                        </a:solidFill>
+                        <a:latin typeface="Cambria Math" panose="02040503050406030204" pitchFamily="18" charset="0"/>
+                      </a:rPr>
+                      <m:t>,</m:t>
                     </m:r>
                     <m:r>
                       <m:rPr>
@@ -16302,12 +16427,30 @@
                         </a:solidFill>
                         <a:latin typeface="Cambria Math" panose="02040503050406030204" pitchFamily="18" charset="0"/>
                       </a:rPr>
-                      <m:t>=0)</m:t>
+                      <m:t>=</m:t>
+                    </m:r>
+                    <m:r>
+                      <a:rPr lang="en-AU" smtClean="0">
+                        <a:solidFill>
+                          <a:srgbClr val="000000"/>
+                        </a:solidFill>
+                        <a:latin typeface="Cambria Math" panose="02040503050406030204" pitchFamily="18" charset="0"/>
+                      </a:rPr>
+                      <m:t>0</m:t>
+                    </m:r>
+                    <m:r>
+                      <a:rPr lang="en-AU" smtClean="0">
+                        <a:solidFill>
+                          <a:srgbClr val="000000"/>
+                        </a:solidFill>
+                        <a:latin typeface="Cambria Math" panose="02040503050406030204" pitchFamily="18" charset="0"/>
+                      </a:rPr>
+                      <m:t>)</m:t>
                     </m:r>
                   </m:oMath>
                 </a14:m>
                 <a:r>
-                  <a:rPr lang="en-AU">
+                  <a:rPr lang="en-AU" dirty="0">
                     <a:solidFill>
                       <a:srgbClr val="000000"/>
                     </a:solidFill>
@@ -16316,7 +16459,7 @@
                   <a:t> +</a:t>
                 </a:r>
                 <a:br>
-                  <a:rPr lang="en-AU">
+                  <a:rPr lang="en-AU" dirty="0">
                     <a:solidFill>
                       <a:srgbClr val="000000"/>
                     </a:solidFill>
@@ -16362,7 +16505,16 @@
                             </a:solidFill>
                             <a:latin typeface="Cambria Math" panose="02040503050406030204" pitchFamily="18" charset="0"/>
                           </a:rPr>
-                          <m:t>=1</m:t>
+                          <m:t>=</m:t>
+                        </m:r>
+                        <m:r>
+                          <a:rPr lang="en-AU" smtClean="0">
+                            <a:solidFill>
+                              <a:srgbClr val="000000"/>
+                            </a:solidFill>
+                            <a:latin typeface="Cambria Math" panose="02040503050406030204" pitchFamily="18" charset="0"/>
+                          </a:rPr>
+                          <m:t>1</m:t>
                         </m:r>
                       </m:e>
                     </m:d>
@@ -16415,7 +16567,16 @@
                             </a:solidFill>
                             <a:latin typeface="Cambria Math" panose="02040503050406030204" pitchFamily="18" charset="0"/>
                           </a:rPr>
-                          <m:t>=0</m:t>
+                          <m:t>=</m:t>
+                        </m:r>
+                        <m:r>
+                          <a:rPr lang="en-AU" smtClean="0">
+                            <a:solidFill>
+                              <a:srgbClr val="000000"/>
+                            </a:solidFill>
+                            <a:latin typeface="Cambria Math" panose="02040503050406030204" pitchFamily="18" charset="0"/>
+                          </a:rPr>
+                          <m:t>0</m:t>
                         </m:r>
                       </m:e>
                     </m:d>
@@ -16465,7 +16626,25 @@
                         </a:solidFill>
                         <a:latin typeface="Cambria Math" panose="02040503050406030204" pitchFamily="18" charset="0"/>
                       </a:rPr>
-                      <m:t>=0|</m:t>
+                      <m:t>=</m:t>
+                    </m:r>
+                    <m:r>
+                      <a:rPr lang="en-AU" smtClean="0">
+                        <a:solidFill>
+                          <a:srgbClr val="000000"/>
+                        </a:solidFill>
+                        <a:latin typeface="Cambria Math" panose="02040503050406030204" pitchFamily="18" charset="0"/>
+                      </a:rPr>
+                      <m:t>0</m:t>
+                    </m:r>
+                    <m:r>
+                      <a:rPr lang="en-AU" smtClean="0">
+                        <a:solidFill>
+                          <a:srgbClr val="000000"/>
+                        </a:solidFill>
+                        <a:latin typeface="Cambria Math" panose="02040503050406030204" pitchFamily="18" charset="0"/>
+                      </a:rPr>
+                      <m:t>|</m:t>
                     </m:r>
                     <m:r>
                       <a:rPr lang="en-AU" smtClean="0">
@@ -16483,7 +16662,25 @@
                         </a:solidFill>
                         <a:latin typeface="Cambria Math" panose="02040503050406030204" pitchFamily="18" charset="0"/>
                       </a:rPr>
-                      <m:t>=1,</m:t>
+                      <m:t>=</m:t>
+                    </m:r>
+                    <m:r>
+                      <a:rPr lang="en-AU" smtClean="0">
+                        <a:solidFill>
+                          <a:srgbClr val="000000"/>
+                        </a:solidFill>
+                        <a:latin typeface="Cambria Math" panose="02040503050406030204" pitchFamily="18" charset="0"/>
+                      </a:rPr>
+                      <m:t>1</m:t>
+                    </m:r>
+                    <m:r>
+                      <a:rPr lang="en-AU" smtClean="0">
+                        <a:solidFill>
+                          <a:srgbClr val="000000"/>
+                        </a:solidFill>
+                        <a:latin typeface="Cambria Math" panose="02040503050406030204" pitchFamily="18" charset="0"/>
+                      </a:rPr>
+                      <m:t>,</m:t>
                     </m:r>
                     <m:r>
                       <m:rPr>
@@ -16504,12 +16701,30 @@
                         </a:solidFill>
                         <a:latin typeface="Cambria Math" panose="02040503050406030204" pitchFamily="18" charset="0"/>
                       </a:rPr>
-                      <m:t>=0)</m:t>
+                      <m:t>=</m:t>
+                    </m:r>
+                    <m:r>
+                      <a:rPr lang="en-AU" smtClean="0">
+                        <a:solidFill>
+                          <a:srgbClr val="000000"/>
+                        </a:solidFill>
+                        <a:latin typeface="Cambria Math" panose="02040503050406030204" pitchFamily="18" charset="0"/>
+                      </a:rPr>
+                      <m:t>0</m:t>
+                    </m:r>
+                    <m:r>
+                      <a:rPr lang="en-AU" smtClean="0">
+                        <a:solidFill>
+                          <a:srgbClr val="000000"/>
+                        </a:solidFill>
+                        <a:latin typeface="Cambria Math" panose="02040503050406030204" pitchFamily="18" charset="0"/>
+                      </a:rPr>
+                      <m:t>)</m:t>
                     </m:r>
                   </m:oMath>
                 </a14:m>
                 <a:r>
-                  <a:rPr lang="en-AU">
+                  <a:rPr lang="en-AU" dirty="0">
                     <a:solidFill>
                       <a:srgbClr val="000000"/>
                     </a:solidFill>
@@ -16518,7 +16733,7 @@
                   <a:t> + </a:t>
                 </a:r>
                 <a:br>
-                  <a:rPr lang="en-AU">
+                  <a:rPr lang="en-AU" dirty="0">
                     <a:solidFill>
                       <a:srgbClr val="000000"/>
                     </a:solidFill>
@@ -16564,7 +16779,16 @@
                             </a:solidFill>
                             <a:latin typeface="Cambria Math" panose="02040503050406030204" pitchFamily="18" charset="0"/>
                           </a:rPr>
-                          <m:t>=0</m:t>
+                          <m:t>=</m:t>
+                        </m:r>
+                        <m:r>
+                          <a:rPr lang="en-AU" smtClean="0">
+                            <a:solidFill>
+                              <a:srgbClr val="000000"/>
+                            </a:solidFill>
+                            <a:latin typeface="Cambria Math" panose="02040503050406030204" pitchFamily="18" charset="0"/>
+                          </a:rPr>
+                          <m:t>0</m:t>
                         </m:r>
                       </m:e>
                     </m:d>
@@ -16617,7 +16841,16 @@
                             </a:solidFill>
                             <a:latin typeface="Cambria Math" panose="02040503050406030204" pitchFamily="18" charset="0"/>
                           </a:rPr>
-                          <m:t>=1</m:t>
+                          <m:t>=</m:t>
+                        </m:r>
+                        <m:r>
+                          <a:rPr lang="en-AU" smtClean="0">
+                            <a:solidFill>
+                              <a:srgbClr val="000000"/>
+                            </a:solidFill>
+                            <a:latin typeface="Cambria Math" panose="02040503050406030204" pitchFamily="18" charset="0"/>
+                          </a:rPr>
+                          <m:t>1</m:t>
                         </m:r>
                       </m:e>
                     </m:d>
@@ -16667,7 +16900,25 @@
                         </a:solidFill>
                         <a:latin typeface="Cambria Math" panose="02040503050406030204" pitchFamily="18" charset="0"/>
                       </a:rPr>
-                      <m:t>=0|</m:t>
+                      <m:t>=</m:t>
+                    </m:r>
+                    <m:r>
+                      <a:rPr lang="en-AU" smtClean="0">
+                        <a:solidFill>
+                          <a:srgbClr val="000000"/>
+                        </a:solidFill>
+                        <a:latin typeface="Cambria Math" panose="02040503050406030204" pitchFamily="18" charset="0"/>
+                      </a:rPr>
+                      <m:t>0</m:t>
+                    </m:r>
+                    <m:r>
+                      <a:rPr lang="en-AU" smtClean="0">
+                        <a:solidFill>
+                          <a:srgbClr val="000000"/>
+                        </a:solidFill>
+                        <a:latin typeface="Cambria Math" panose="02040503050406030204" pitchFamily="18" charset="0"/>
+                      </a:rPr>
+                      <m:t>|</m:t>
                     </m:r>
                     <m:r>
                       <a:rPr lang="en-AU" smtClean="0">
@@ -16685,7 +16936,25 @@
                         </a:solidFill>
                         <a:latin typeface="Cambria Math" panose="02040503050406030204" pitchFamily="18" charset="0"/>
                       </a:rPr>
-                      <m:t>=0,</m:t>
+                      <m:t>=</m:t>
+                    </m:r>
+                    <m:r>
+                      <a:rPr lang="en-AU" smtClean="0">
+                        <a:solidFill>
+                          <a:srgbClr val="000000"/>
+                        </a:solidFill>
+                        <a:latin typeface="Cambria Math" panose="02040503050406030204" pitchFamily="18" charset="0"/>
+                      </a:rPr>
+                      <m:t>0</m:t>
+                    </m:r>
+                    <m:r>
+                      <a:rPr lang="en-AU" smtClean="0">
+                        <a:solidFill>
+                          <a:srgbClr val="000000"/>
+                        </a:solidFill>
+                        <a:latin typeface="Cambria Math" panose="02040503050406030204" pitchFamily="18" charset="0"/>
+                      </a:rPr>
+                      <m:t>,</m:t>
                     </m:r>
                     <m:r>
                       <m:rPr>
@@ -16706,12 +16975,30 @@
                         </a:solidFill>
                         <a:latin typeface="Cambria Math" panose="02040503050406030204" pitchFamily="18" charset="0"/>
                       </a:rPr>
-                      <m:t>=1)</m:t>
+                      <m:t>=</m:t>
+                    </m:r>
+                    <m:r>
+                      <a:rPr lang="en-AU" smtClean="0">
+                        <a:solidFill>
+                          <a:srgbClr val="000000"/>
+                        </a:solidFill>
+                        <a:latin typeface="Cambria Math" panose="02040503050406030204" pitchFamily="18" charset="0"/>
+                      </a:rPr>
+                      <m:t>1</m:t>
+                    </m:r>
+                    <m:r>
+                      <a:rPr lang="en-AU" smtClean="0">
+                        <a:solidFill>
+                          <a:srgbClr val="000000"/>
+                        </a:solidFill>
+                        <a:latin typeface="Cambria Math" panose="02040503050406030204" pitchFamily="18" charset="0"/>
+                      </a:rPr>
+                      <m:t>)</m:t>
                     </m:r>
                   </m:oMath>
                 </a14:m>
                 <a:r>
-                  <a:rPr lang="en-AU">
+                  <a:rPr lang="en-AU" dirty="0">
                     <a:solidFill>
                       <a:srgbClr val="000000"/>
                     </a:solidFill>
@@ -16720,7 +17007,7 @@
                   <a:t> +</a:t>
                 </a:r>
                 <a:br>
-                  <a:rPr lang="en-AU">
+                  <a:rPr lang="en-AU" dirty="0">
                     <a:solidFill>
                       <a:srgbClr val="000000"/>
                     </a:solidFill>
@@ -16770,7 +17057,16 @@
                               </a:solidFill>
                               <a:latin typeface="Cambria Math" panose="02040503050406030204" pitchFamily="18" charset="0"/>
                             </a:rPr>
-                            <m:t>=1</m:t>
+                            <m:t>=</m:t>
+                          </m:r>
+                          <m:r>
+                            <a:rPr lang="en-AU" smtClean="0">
+                              <a:solidFill>
+                                <a:srgbClr val="000000"/>
+                              </a:solidFill>
+                              <a:latin typeface="Cambria Math" panose="02040503050406030204" pitchFamily="18" charset="0"/>
+                            </a:rPr>
+                            <m:t>1</m:t>
                           </m:r>
                         </m:e>
                       </m:d>
@@ -16823,7 +17119,16 @@
                               </a:solidFill>
                               <a:latin typeface="Cambria Math" panose="02040503050406030204" pitchFamily="18" charset="0"/>
                             </a:rPr>
-                            <m:t>=1</m:t>
+                            <m:t>=</m:t>
+                          </m:r>
+                          <m:r>
+                            <a:rPr lang="en-AU" smtClean="0">
+                              <a:solidFill>
+                                <a:srgbClr val="000000"/>
+                              </a:solidFill>
+                              <a:latin typeface="Cambria Math" panose="02040503050406030204" pitchFamily="18" charset="0"/>
+                            </a:rPr>
+                            <m:t>1</m:t>
                           </m:r>
                         </m:e>
                       </m:d>
@@ -16873,7 +17178,25 @@
                           </a:solidFill>
                           <a:latin typeface="Cambria Math" panose="02040503050406030204" pitchFamily="18" charset="0"/>
                         </a:rPr>
-                        <m:t>=0|</m:t>
+                        <m:t>=</m:t>
+                      </m:r>
+                      <m:r>
+                        <a:rPr lang="en-AU" smtClean="0">
+                          <a:solidFill>
+                            <a:srgbClr val="000000"/>
+                          </a:solidFill>
+                          <a:latin typeface="Cambria Math" panose="02040503050406030204" pitchFamily="18" charset="0"/>
+                        </a:rPr>
+                        <m:t>0</m:t>
+                      </m:r>
+                      <m:r>
+                        <a:rPr lang="en-AU" smtClean="0">
+                          <a:solidFill>
+                            <a:srgbClr val="000000"/>
+                          </a:solidFill>
+                          <a:latin typeface="Cambria Math" panose="02040503050406030204" pitchFamily="18" charset="0"/>
+                        </a:rPr>
+                        <m:t>|</m:t>
                       </m:r>
                       <m:r>
                         <a:rPr lang="en-AU" smtClean="0">
@@ -16891,7 +17214,25 @@
                           </a:solidFill>
                           <a:latin typeface="Cambria Math" panose="02040503050406030204" pitchFamily="18" charset="0"/>
                         </a:rPr>
-                        <m:t>=1,</m:t>
+                        <m:t>=</m:t>
+                      </m:r>
+                      <m:r>
+                        <a:rPr lang="en-AU" smtClean="0">
+                          <a:solidFill>
+                            <a:srgbClr val="000000"/>
+                          </a:solidFill>
+                          <a:latin typeface="Cambria Math" panose="02040503050406030204" pitchFamily="18" charset="0"/>
+                        </a:rPr>
+                        <m:t>1</m:t>
+                      </m:r>
+                      <m:r>
+                        <a:rPr lang="en-AU" smtClean="0">
+                          <a:solidFill>
+                            <a:srgbClr val="000000"/>
+                          </a:solidFill>
+                          <a:latin typeface="Cambria Math" panose="02040503050406030204" pitchFamily="18" charset="0"/>
+                        </a:rPr>
+                        <m:t>,</m:t>
                       </m:r>
                       <m:r>
                         <m:rPr>
@@ -16912,12 +17253,30 @@
                           </a:solidFill>
                           <a:latin typeface="Cambria Math" panose="02040503050406030204" pitchFamily="18" charset="0"/>
                         </a:rPr>
-                        <m:t>=1)</m:t>
+                        <m:t>=</m:t>
+                      </m:r>
+                      <m:r>
+                        <a:rPr lang="en-AU" smtClean="0">
+                          <a:solidFill>
+                            <a:srgbClr val="000000"/>
+                          </a:solidFill>
+                          <a:latin typeface="Cambria Math" panose="02040503050406030204" pitchFamily="18" charset="0"/>
+                        </a:rPr>
+                        <m:t>1</m:t>
+                      </m:r>
+                      <m:r>
+                        <a:rPr lang="en-AU" smtClean="0">
+                          <a:solidFill>
+                            <a:srgbClr val="000000"/>
+                          </a:solidFill>
+                          <a:latin typeface="Cambria Math" panose="02040503050406030204" pitchFamily="18" charset="0"/>
+                        </a:rPr>
+                        <m:t>)</m:t>
                       </m:r>
                     </m:oMath>
                   </m:oMathPara>
                 </a14:m>
-                <a:endParaRPr lang="en-AU">
+                <a:endParaRPr lang="en-AU" dirty="0">
                   <a:solidFill>
                     <a:srgbClr val="000000"/>
                   </a:solidFill>
@@ -16925,7 +17284,7 @@
                 </a:endParaRPr>
               </a:p>
               <a:p>
-                <a:endParaRPr lang="en-AU">
+                <a:endParaRPr lang="en-AU" dirty="0">
                   <a:solidFill>
                     <a:srgbClr val="000000"/>
                   </a:solidFill>
@@ -16933,7 +17292,7 @@
                 </a:endParaRPr>
               </a:p>
               <a:p>
-                <a:endParaRPr lang="en-AU">
+                <a:endParaRPr lang="en-AU" dirty="0">
                   <a:solidFill>
                     <a:srgbClr val="000000"/>
                   </a:solidFill>
@@ -16942,7 +17301,7 @@
               </a:p>
               <a:p>
                 <a:r>
-                  <a:rPr lang="en-AU">
+                  <a:rPr lang="en-AU" dirty="0">
                     <a:solidFill>
                       <a:srgbClr val="000000"/>
                     </a:solidFill>
@@ -16964,7 +17323,7 @@
                   </m:oMath>
                 </a14:m>
                 <a:r>
-                  <a:rPr lang="en-AU">
+                  <a:rPr lang="en-AU" dirty="0">
                     <a:solidFill>
                       <a:srgbClr val="000000"/>
                     </a:solidFill>
@@ -17217,58 +17576,6 @@
       </p:sp>
       <p:sp>
         <p:nvSpPr>
-          <p:cNvPr id="5" name="Rechteck 4">
-            <a:extLst>
-              <a:ext uri="{FF2B5EF4-FFF2-40B4-BE49-F238E27FC236}">
-                <a16:creationId xmlns:a16="http://schemas.microsoft.com/office/drawing/2014/main" id="{576AD427-8A6D-4D5B-810E-39C407C45BCB}"/>
-              </a:ext>
-            </a:extLst>
-          </p:cNvPr>
-          <p:cNvSpPr/>
-          <p:nvPr/>
-        </p:nvSpPr>
-        <p:spPr>
-          <a:xfrm>
-            <a:off x="-27709" y="0"/>
-            <a:ext cx="7162800" cy="381000"/>
-          </a:xfrm>
-          <a:prstGeom prst="rect">
-            <a:avLst/>
-          </a:prstGeom>
-          <a:noFill/>
-          <a:ln>
-            <a:noFill/>
-          </a:ln>
-        </p:spPr>
-        <p:style>
-          <a:lnRef idx="2">
-            <a:schemeClr val="accent1">
-              <a:shade val="50000"/>
-            </a:schemeClr>
-          </a:lnRef>
-          <a:fillRef idx="1">
-            <a:schemeClr val="accent1"/>
-          </a:fillRef>
-          <a:effectRef idx="0">
-            <a:schemeClr val="accent1"/>
-          </a:effectRef>
-          <a:fontRef idx="minor">
-            <a:schemeClr val="lt1"/>
-          </a:fontRef>
-        </p:style>
-        <p:txBody>
-          <a:bodyPr rtlCol="0" anchor="ctr"/>
-          <a:lstStyle/>
-          <a:p>
-            <a:r>
-              <a:rPr lang="en-AU" b="1"/>
-              <a:t>Representing knowledge: Calculation approach</a:t>
-            </a:r>
-          </a:p>
-        </p:txBody>
-      </p:sp>
-      <p:sp>
-        <p:nvSpPr>
           <p:cNvPr id="3" name="Rechteck 2">
             <a:extLst>
               <a:ext uri="{FF2B5EF4-FFF2-40B4-BE49-F238E27FC236}">
@@ -17323,6 +17630,62 @@
           </a:p>
         </p:txBody>
       </p:sp>
+      <p:sp>
+        <p:nvSpPr>
+          <p:cNvPr id="11" name="Rechteck 10">
+            <a:extLst>
+              <a:ext uri="{FF2B5EF4-FFF2-40B4-BE49-F238E27FC236}">
+                <a16:creationId xmlns:a16="http://schemas.microsoft.com/office/drawing/2014/main" id="{6669EA86-F520-462C-8D0F-95D0250BD8B1}"/>
+              </a:ext>
+            </a:extLst>
+          </p:cNvPr>
+          <p:cNvSpPr/>
+          <p:nvPr/>
+        </p:nvSpPr>
+        <p:spPr>
+          <a:xfrm>
+            <a:off x="-27709" y="0"/>
+            <a:ext cx="7162800" cy="381000"/>
+          </a:xfrm>
+          <a:prstGeom prst="rect">
+            <a:avLst/>
+          </a:prstGeom>
+          <a:noFill/>
+          <a:ln>
+            <a:noFill/>
+          </a:ln>
+        </p:spPr>
+        <p:style>
+          <a:lnRef idx="2">
+            <a:schemeClr val="accent1">
+              <a:shade val="50000"/>
+            </a:schemeClr>
+          </a:lnRef>
+          <a:fillRef idx="1">
+            <a:schemeClr val="accent1"/>
+          </a:fillRef>
+          <a:effectRef idx="0">
+            <a:schemeClr val="accent1"/>
+          </a:effectRef>
+          <a:fontRef idx="minor">
+            <a:schemeClr val="lt1"/>
+          </a:fontRef>
+        </p:style>
+        <p:txBody>
+          <a:bodyPr rtlCol="0" anchor="ctr"/>
+          <a:lstStyle/>
+          <a:p>
+            <a:r>
+              <a:rPr lang="de-DE" sz="2000" b="1" dirty="0"/>
+              <a:t>       </a:t>
+            </a:r>
+            <a:r>
+              <a:rPr lang="en-US" sz="2000" b="1" dirty="0"/>
+              <a:t>Representing knowledge: Calculation approach</a:t>
+            </a:r>
+          </a:p>
+        </p:txBody>
+      </p:sp>
     </p:spTree>
     <p:extLst>
       <p:ext uri="{BB962C8B-B14F-4D97-AF65-F5344CB8AC3E}">
@@ -17353,8 +17716,8 @@
           <a:chExt cx="0" cy="0"/>
         </a:xfrm>
       </p:grpSpPr>
-      <mc:AlternateContent xmlns:mc="http://schemas.openxmlformats.org/markup-compatibility/2006" xmlns:a14="http://schemas.microsoft.com/office/drawing/2010/main">
-        <mc:Choice Requires="a14">
+      <mc:AlternateContent xmlns:mc="http://schemas.openxmlformats.org/markup-compatibility/2006">
+        <mc:Choice xmlns:a14="http://schemas.microsoft.com/office/drawing/2010/main" Requires="a14">
           <p:sp>
             <p:nvSpPr>
               <p:cNvPr id="21" name="Textfeld 20">
@@ -17369,7 +17732,7 @@
             </p:nvSpPr>
             <p:spPr>
               <a:xfrm>
-                <a:off x="0" y="326316"/>
+                <a:off x="0" y="381000"/>
                 <a:ext cx="8672639" cy="3929794"/>
               </a:xfrm>
               <a:prstGeom prst="rect">
@@ -17387,154 +17750,14 @@
               <a:lstStyle/>
               <a:p>
                 <a:r>
-                  <a:rPr lang="de-DE" dirty="0">
+                  <a:rPr lang="en-US" dirty="0">
                     <a:solidFill>
                       <a:srgbClr val="000000"/>
                     </a:solidFill>
                     <a:latin typeface="+mj-lt"/>
                     <a:cs typeface="Calibri" panose="020F0502020204030204" pitchFamily="34" charset="0"/>
                   </a:rPr>
-                  <a:t>1. </a:t>
-                </a:r>
-                <a:r>
-                  <a:rPr lang="de-DE" dirty="0" err="1">
-                    <a:solidFill>
-                      <a:srgbClr val="000000"/>
-                    </a:solidFill>
-                    <a:latin typeface="+mj-lt"/>
-                    <a:cs typeface="Calibri" panose="020F0502020204030204" pitchFamily="34" charset="0"/>
-                  </a:rPr>
-                  <a:t>From</a:t>
-                </a:r>
-                <a:r>
-                  <a:rPr lang="de-DE" dirty="0">
-                    <a:solidFill>
-                      <a:srgbClr val="000000"/>
-                    </a:solidFill>
-                    <a:latin typeface="+mj-lt"/>
-                    <a:cs typeface="Calibri" panose="020F0502020204030204" pitchFamily="34" charset="0"/>
-                  </a:rPr>
-                  <a:t> </a:t>
-                </a:r>
-                <a:r>
-                  <a:rPr lang="de-DE" dirty="0" err="1">
-                    <a:solidFill>
-                      <a:srgbClr val="000000"/>
-                    </a:solidFill>
-                    <a:latin typeface="+mj-lt"/>
-                    <a:cs typeface="Calibri" panose="020F0502020204030204" pitchFamily="34" charset="0"/>
-                  </a:rPr>
-                  <a:t>now</a:t>
-                </a:r>
-                <a:r>
-                  <a:rPr lang="de-DE" dirty="0">
-                    <a:solidFill>
-                      <a:srgbClr val="000000"/>
-                    </a:solidFill>
-                    <a:latin typeface="+mj-lt"/>
-                    <a:cs typeface="Calibri" panose="020F0502020204030204" pitchFamily="34" charset="0"/>
-                  </a:rPr>
-                  <a:t> on P(R) </a:t>
-                </a:r>
-                <a:r>
-                  <a:rPr lang="de-DE" dirty="0" err="1">
-                    <a:solidFill>
-                      <a:srgbClr val="000000"/>
-                    </a:solidFill>
-                    <a:latin typeface="+mj-lt"/>
-                    <a:cs typeface="Calibri" panose="020F0502020204030204" pitchFamily="34" charset="0"/>
-                  </a:rPr>
-                  <a:t>is</a:t>
-                </a:r>
-                <a:r>
-                  <a:rPr lang="de-DE" dirty="0">
-                    <a:solidFill>
-                      <a:srgbClr val="000000"/>
-                    </a:solidFill>
-                    <a:latin typeface="+mj-lt"/>
-                    <a:cs typeface="Calibri" panose="020F0502020204030204" pitchFamily="34" charset="0"/>
-                  </a:rPr>
-                  <a:t> </a:t>
-                </a:r>
-                <a:r>
-                  <a:rPr lang="de-DE" dirty="0" err="1">
-                    <a:solidFill>
-                      <a:srgbClr val="000000"/>
-                    </a:solidFill>
-                    <a:latin typeface="+mj-lt"/>
-                    <a:cs typeface="Calibri" panose="020F0502020204030204" pitchFamily="34" charset="0"/>
-                  </a:rPr>
-                  <a:t>given</a:t>
-                </a:r>
-                <a:r>
-                  <a:rPr lang="de-DE" dirty="0">
-                    <a:solidFill>
-                      <a:srgbClr val="000000"/>
-                    </a:solidFill>
-                    <a:latin typeface="+mj-lt"/>
-                    <a:cs typeface="Calibri" panose="020F0502020204030204" pitchFamily="34" charset="0"/>
-                  </a:rPr>
-                  <a:t>, so </a:t>
-                </a:r>
-                <a:r>
-                  <a:rPr lang="de-DE" dirty="0" err="1">
-                    <a:solidFill>
-                      <a:srgbClr val="000000"/>
-                    </a:solidFill>
-                    <a:latin typeface="+mj-lt"/>
-                    <a:cs typeface="Calibri" panose="020F0502020204030204" pitchFamily="34" charset="0"/>
-                  </a:rPr>
-                  <a:t>we</a:t>
-                </a:r>
-                <a:r>
-                  <a:rPr lang="de-DE" dirty="0">
-                    <a:solidFill>
-                      <a:srgbClr val="000000"/>
-                    </a:solidFill>
-                    <a:latin typeface="+mj-lt"/>
-                    <a:cs typeface="Calibri" panose="020F0502020204030204" pitchFamily="34" charset="0"/>
-                  </a:rPr>
-                  <a:t> </a:t>
-                </a:r>
-                <a:r>
-                  <a:rPr lang="de-DE" dirty="0" err="1">
-                    <a:solidFill>
-                      <a:srgbClr val="000000"/>
-                    </a:solidFill>
-                    <a:latin typeface="+mj-lt"/>
-                    <a:cs typeface="Calibri" panose="020F0502020204030204" pitchFamily="34" charset="0"/>
-                  </a:rPr>
-                  <a:t>plug</a:t>
-                </a:r>
-                <a:r>
-                  <a:rPr lang="de-DE" dirty="0">
-                    <a:solidFill>
-                      <a:srgbClr val="000000"/>
-                    </a:solidFill>
-                    <a:latin typeface="+mj-lt"/>
-                    <a:cs typeface="Calibri" panose="020F0502020204030204" pitchFamily="34" charset="0"/>
-                  </a:rPr>
-                  <a:t> </a:t>
-                </a:r>
-                <a:r>
-                  <a:rPr lang="de-DE" dirty="0" err="1">
-                    <a:solidFill>
-                      <a:srgbClr val="000000"/>
-                    </a:solidFill>
-                    <a:latin typeface="+mj-lt"/>
-                    <a:cs typeface="Calibri" panose="020F0502020204030204" pitchFamily="34" charset="0"/>
-                  </a:rPr>
-                  <a:t>this</a:t>
-                </a:r>
-                <a:r>
-                  <a:rPr lang="de-DE" dirty="0">
-                    <a:solidFill>
-                      <a:srgbClr val="000000"/>
-                    </a:solidFill>
-                    <a:latin typeface="+mj-lt"/>
-                    <a:cs typeface="Calibri" panose="020F0502020204030204" pitchFamily="34" charset="0"/>
-                  </a:rPr>
-                  <a:t> in:</a:t>
+                  <a:t>1. From now on P(R) is given, so we plug this in:</a:t>
                 </a:r>
               </a:p>
               <a:p>
@@ -19377,7 +19600,7 @@
             </p:txBody>
           </p:sp>
         </mc:Choice>
-        <mc:Fallback xmlns="">
+        <mc:Fallback>
           <p:sp>
             <p:nvSpPr>
               <p:cNvPr id="21" name="Textfeld 20">
@@ -19394,7 +19617,7 @@
             </p:nvSpPr>
             <p:spPr>
               <a:xfrm>
-                <a:off x="0" y="326316"/>
+                <a:off x="0" y="381000"/>
                 <a:ext cx="8672639" cy="3929794"/>
               </a:xfrm>
               <a:prstGeom prst="rect">
@@ -19517,10 +19740,10 @@
       </p:sp>
       <p:sp>
         <p:nvSpPr>
-          <p:cNvPr id="2" name="Rechteck 1">
+          <p:cNvPr id="4" name="Rechteck 3">
             <a:extLst>
               <a:ext uri="{FF2B5EF4-FFF2-40B4-BE49-F238E27FC236}">
-                <a16:creationId xmlns:a16="http://schemas.microsoft.com/office/drawing/2014/main" id="{35949653-413A-4A19-99A8-73A501FF905C}"/>
+                <a16:creationId xmlns:a16="http://schemas.microsoft.com/office/drawing/2014/main" id="{B6D52A9B-6AE2-467B-8714-012F2E5B410E}"/>
               </a:ext>
             </a:extLst>
           </p:cNvPr>
@@ -19561,34 +19784,13 @@
           <a:lstStyle/>
           <a:p>
             <a:r>
-              <a:rPr lang="de-DE" b="1" dirty="0" err="1"/>
-              <a:t>Representing</a:t>
+              <a:rPr lang="de-DE" sz="2000" b="1" dirty="0"/>
+              <a:t>       </a:t>
             </a:r>
             <a:r>
-              <a:rPr lang="de-DE" b="1" dirty="0"/>
-              <a:t> </a:t>
+              <a:rPr lang="en-US" sz="2000" b="1" dirty="0"/>
+              <a:t>Representing knowledge: Calculation approach</a:t>
             </a:r>
-            <a:r>
-              <a:rPr lang="de-DE" b="1" dirty="0" err="1"/>
-              <a:t>knowledge</a:t>
-            </a:r>
-            <a:r>
-              <a:rPr lang="de-DE" b="1" dirty="0"/>
-              <a:t>: </a:t>
-            </a:r>
-            <a:r>
-              <a:rPr lang="de-DE" b="1" dirty="0" err="1"/>
-              <a:t>Calculation</a:t>
-            </a:r>
-            <a:r>
-              <a:rPr lang="de-DE" b="1" dirty="0"/>
-              <a:t> </a:t>
-            </a:r>
-            <a:r>
-              <a:rPr lang="de-DE" b="1" dirty="0" err="1"/>
-              <a:t>approach</a:t>
-            </a:r>
-            <a:endParaRPr lang="de-DE" b="1" dirty="0"/>
           </a:p>
         </p:txBody>
       </p:sp>
@@ -21996,58 +22198,6 @@
       </p:sp>
       <p:sp>
         <p:nvSpPr>
-          <p:cNvPr id="3" name="Rechteck 2">
-            <a:extLst>
-              <a:ext uri="{FF2B5EF4-FFF2-40B4-BE49-F238E27FC236}">
-                <a16:creationId xmlns:a16="http://schemas.microsoft.com/office/drawing/2014/main" id="{C5C5EF7B-0280-4336-ACDD-D6AC1B28AD01}"/>
-              </a:ext>
-            </a:extLst>
-          </p:cNvPr>
-          <p:cNvSpPr/>
-          <p:nvPr/>
-        </p:nvSpPr>
-        <p:spPr>
-          <a:xfrm>
-            <a:off x="-27709" y="0"/>
-            <a:ext cx="7162800" cy="381000"/>
-          </a:xfrm>
-          <a:prstGeom prst="rect">
-            <a:avLst/>
-          </a:prstGeom>
-          <a:noFill/>
-          <a:ln>
-            <a:noFill/>
-          </a:ln>
-        </p:spPr>
-        <p:style>
-          <a:lnRef idx="2">
-            <a:schemeClr val="accent1">
-              <a:shade val="50000"/>
-            </a:schemeClr>
-          </a:lnRef>
-          <a:fillRef idx="1">
-            <a:schemeClr val="accent1"/>
-          </a:fillRef>
-          <a:effectRef idx="0">
-            <a:schemeClr val="accent1"/>
-          </a:effectRef>
-          <a:fontRef idx="minor">
-            <a:schemeClr val="lt1"/>
-          </a:fontRef>
-        </p:style>
-        <p:txBody>
-          <a:bodyPr rtlCol="0" anchor="ctr"/>
-          <a:lstStyle/>
-          <a:p>
-            <a:r>
-              <a:rPr lang="en-AU" b="1"/>
-              <a:t>Representing knowledge: Calculation approach</a:t>
-            </a:r>
-          </a:p>
-        </p:txBody>
-      </p:sp>
-      <p:sp>
-        <p:nvSpPr>
           <p:cNvPr id="5" name="Rechteck 4">
             <a:extLst>
               <a:ext uri="{FF2B5EF4-FFF2-40B4-BE49-F238E27FC236}">
@@ -22099,6 +22249,62 @@
           <a:p>
             <a:pPr algn="ctr"/>
             <a:endParaRPr lang="en-AU"/>
+          </a:p>
+        </p:txBody>
+      </p:sp>
+      <p:sp>
+        <p:nvSpPr>
+          <p:cNvPr id="8" name="Rechteck 7">
+            <a:extLst>
+              <a:ext uri="{FF2B5EF4-FFF2-40B4-BE49-F238E27FC236}">
+                <a16:creationId xmlns:a16="http://schemas.microsoft.com/office/drawing/2014/main" id="{22A69FEA-0DF2-4BE6-A1A6-4C53E2E50729}"/>
+              </a:ext>
+            </a:extLst>
+          </p:cNvPr>
+          <p:cNvSpPr/>
+          <p:nvPr/>
+        </p:nvSpPr>
+        <p:spPr>
+          <a:xfrm>
+            <a:off x="-27709" y="0"/>
+            <a:ext cx="7162800" cy="381000"/>
+          </a:xfrm>
+          <a:prstGeom prst="rect">
+            <a:avLst/>
+          </a:prstGeom>
+          <a:noFill/>
+          <a:ln>
+            <a:noFill/>
+          </a:ln>
+        </p:spPr>
+        <p:style>
+          <a:lnRef idx="2">
+            <a:schemeClr val="accent1">
+              <a:shade val="50000"/>
+            </a:schemeClr>
+          </a:lnRef>
+          <a:fillRef idx="1">
+            <a:schemeClr val="accent1"/>
+          </a:fillRef>
+          <a:effectRef idx="0">
+            <a:schemeClr val="accent1"/>
+          </a:effectRef>
+          <a:fontRef idx="minor">
+            <a:schemeClr val="lt1"/>
+          </a:fontRef>
+        </p:style>
+        <p:txBody>
+          <a:bodyPr rtlCol="0" anchor="ctr"/>
+          <a:lstStyle/>
+          <a:p>
+            <a:r>
+              <a:rPr lang="de-DE" sz="2000" b="1" dirty="0"/>
+              <a:t>       </a:t>
+            </a:r>
+            <a:r>
+              <a:rPr lang="en-US" sz="2000" b="1" dirty="0"/>
+              <a:t>Representing knowledge: Calculation approach</a:t>
+            </a:r>
           </a:p>
         </p:txBody>
       </p:sp>
@@ -24653,58 +24859,6 @@
       </p:sp>
       <p:sp>
         <p:nvSpPr>
-          <p:cNvPr id="3" name="Rechteck 2">
-            <a:extLst>
-              <a:ext uri="{FF2B5EF4-FFF2-40B4-BE49-F238E27FC236}">
-                <a16:creationId xmlns:a16="http://schemas.microsoft.com/office/drawing/2014/main" id="{A6A3F1A4-12A9-4CBF-97CA-F5984D7099F1}"/>
-              </a:ext>
-            </a:extLst>
-          </p:cNvPr>
-          <p:cNvSpPr/>
-          <p:nvPr/>
-        </p:nvSpPr>
-        <p:spPr>
-          <a:xfrm>
-            <a:off x="-27709" y="0"/>
-            <a:ext cx="7162800" cy="381000"/>
-          </a:xfrm>
-          <a:prstGeom prst="rect">
-            <a:avLst/>
-          </a:prstGeom>
-          <a:noFill/>
-          <a:ln>
-            <a:noFill/>
-          </a:ln>
-        </p:spPr>
-        <p:style>
-          <a:lnRef idx="2">
-            <a:schemeClr val="accent1">
-              <a:shade val="50000"/>
-            </a:schemeClr>
-          </a:lnRef>
-          <a:fillRef idx="1">
-            <a:schemeClr val="accent1"/>
-          </a:fillRef>
-          <a:effectRef idx="0">
-            <a:schemeClr val="accent1"/>
-          </a:effectRef>
-          <a:fontRef idx="minor">
-            <a:schemeClr val="lt1"/>
-          </a:fontRef>
-        </p:style>
-        <p:txBody>
-          <a:bodyPr rtlCol="0" anchor="ctr"/>
-          <a:lstStyle/>
-          <a:p>
-            <a:r>
-              <a:rPr lang="en-AU" b="1"/>
-              <a:t>Representing knowledge: Calculation approach</a:t>
-            </a:r>
-          </a:p>
-        </p:txBody>
-      </p:sp>
-      <p:sp>
-        <p:nvSpPr>
           <p:cNvPr id="5" name="Rechteck 4">
             <a:extLst>
               <a:ext uri="{FF2B5EF4-FFF2-40B4-BE49-F238E27FC236}">
@@ -24759,6 +24913,62 @@
           </a:p>
         </p:txBody>
       </p:sp>
+      <p:sp>
+        <p:nvSpPr>
+          <p:cNvPr id="8" name="Rechteck 7">
+            <a:extLst>
+              <a:ext uri="{FF2B5EF4-FFF2-40B4-BE49-F238E27FC236}">
+                <a16:creationId xmlns:a16="http://schemas.microsoft.com/office/drawing/2014/main" id="{8767EA0B-CEE9-4DDC-A022-EF472DE82EB3}"/>
+              </a:ext>
+            </a:extLst>
+          </p:cNvPr>
+          <p:cNvSpPr/>
+          <p:nvPr/>
+        </p:nvSpPr>
+        <p:spPr>
+          <a:xfrm>
+            <a:off x="-27709" y="0"/>
+            <a:ext cx="7162800" cy="381000"/>
+          </a:xfrm>
+          <a:prstGeom prst="rect">
+            <a:avLst/>
+          </a:prstGeom>
+          <a:noFill/>
+          <a:ln>
+            <a:noFill/>
+          </a:ln>
+        </p:spPr>
+        <p:style>
+          <a:lnRef idx="2">
+            <a:schemeClr val="accent1">
+              <a:shade val="50000"/>
+            </a:schemeClr>
+          </a:lnRef>
+          <a:fillRef idx="1">
+            <a:schemeClr val="accent1"/>
+          </a:fillRef>
+          <a:effectRef idx="0">
+            <a:schemeClr val="accent1"/>
+          </a:effectRef>
+          <a:fontRef idx="minor">
+            <a:schemeClr val="lt1"/>
+          </a:fontRef>
+        </p:style>
+        <p:txBody>
+          <a:bodyPr rtlCol="0" anchor="ctr"/>
+          <a:lstStyle/>
+          <a:p>
+            <a:r>
+              <a:rPr lang="de-DE" sz="2000" b="1" dirty="0"/>
+              <a:t>       </a:t>
+            </a:r>
+            <a:r>
+              <a:rPr lang="en-US" sz="2000" b="1" dirty="0"/>
+              <a:t>Representing knowledge: Calculation approach</a:t>
+            </a:r>
+          </a:p>
+        </p:txBody>
+      </p:sp>
     </p:spTree>
     <p:extLst>
       <p:ext uri="{BB962C8B-B14F-4D97-AF65-F5344CB8AC3E}">
@@ -24773,6 +24983,150 @@
 </file>
 
 <file path=ppt/slides/slide22.xml><?xml version="1.0" encoding="utf-8"?>
+<p:sld xmlns:a="http://schemas.openxmlformats.org/drawingml/2006/main" xmlns:r="http://schemas.openxmlformats.org/officeDocument/2006/relationships" xmlns:p="http://schemas.openxmlformats.org/presentationml/2006/main">
+  <p:cSld>
+    <p:spTree>
+      <p:nvGrpSpPr>
+        <p:cNvPr id="1" name=""/>
+        <p:cNvGrpSpPr/>
+        <p:nvPr/>
+      </p:nvGrpSpPr>
+      <p:grpSpPr>
+        <a:xfrm>
+          <a:off x="0" y="0"/>
+          <a:ext cx="0" cy="0"/>
+          <a:chOff x="0" y="0"/>
+          <a:chExt cx="0" cy="0"/>
+        </a:xfrm>
+      </p:grpSpPr>
+      <p:sp>
+        <p:nvSpPr>
+          <p:cNvPr id="2" name="Titel 1">
+            <a:extLst>
+              <a:ext uri="{FF2B5EF4-FFF2-40B4-BE49-F238E27FC236}">
+                <a16:creationId xmlns:a16="http://schemas.microsoft.com/office/drawing/2014/main" id="{87D4FEA4-DBC3-44E0-982D-0A2C746BD26F}"/>
+              </a:ext>
+            </a:extLst>
+          </p:cNvPr>
+          <p:cNvSpPr>
+            <a:spLocks noGrp="1"/>
+          </p:cNvSpPr>
+          <p:nvPr>
+            <p:ph type="title"/>
+          </p:nvPr>
+        </p:nvSpPr>
+        <p:spPr/>
+        <p:txBody>
+          <a:bodyPr>
+            <a:normAutofit fontScale="90000"/>
+          </a:bodyPr>
+          <a:lstStyle/>
+          <a:p>
+            <a:endParaRPr lang="de-DE"/>
+          </a:p>
+        </p:txBody>
+      </p:sp>
+      <p:sp>
+        <p:nvSpPr>
+          <p:cNvPr id="3" name="Inhaltsplatzhalter 2">
+            <a:extLst>
+              <a:ext uri="{FF2B5EF4-FFF2-40B4-BE49-F238E27FC236}">
+                <a16:creationId xmlns:a16="http://schemas.microsoft.com/office/drawing/2014/main" id="{775F04AA-1AF3-42C2-AF1D-32042EE15B5D}"/>
+              </a:ext>
+            </a:extLst>
+          </p:cNvPr>
+          <p:cNvSpPr>
+            <a:spLocks noGrp="1"/>
+          </p:cNvSpPr>
+          <p:nvPr>
+            <p:ph idx="1"/>
+          </p:nvPr>
+        </p:nvSpPr>
+        <p:spPr/>
+        <p:txBody>
+          <a:bodyPr/>
+          <a:lstStyle/>
+          <a:p>
+            <a:endParaRPr lang="de-DE"/>
+          </a:p>
+        </p:txBody>
+      </p:sp>
+      <p:sp>
+        <p:nvSpPr>
+          <p:cNvPr id="4" name="Fußzeilenplatzhalter 3">
+            <a:extLst>
+              <a:ext uri="{FF2B5EF4-FFF2-40B4-BE49-F238E27FC236}">
+                <a16:creationId xmlns:a16="http://schemas.microsoft.com/office/drawing/2014/main" id="{1597711F-8FB8-424E-84A8-B6298F437947}"/>
+              </a:ext>
+            </a:extLst>
+          </p:cNvPr>
+          <p:cNvSpPr>
+            <a:spLocks noGrp="1"/>
+          </p:cNvSpPr>
+          <p:nvPr>
+            <p:ph type="ftr" sz="quarter" idx="11"/>
+          </p:nvPr>
+        </p:nvSpPr>
+        <p:spPr/>
+        <p:txBody>
+          <a:bodyPr/>
+          <a:lstStyle/>
+          <a:p>
+            <a:pPr>
+              <a:defRPr/>
+            </a:pPr>
+            <a:r>
+              <a:rPr lang="en-US"/>
+              <a:t>Neuroinformatics - Prof. Dr. Gordon Pipa</a:t>
+            </a:r>
+            <a:endParaRPr lang="en-US" dirty="0"/>
+          </a:p>
+        </p:txBody>
+      </p:sp>
+      <p:pic>
+        <p:nvPicPr>
+          <p:cNvPr id="6" name="Grafik 5">
+            <a:extLst>
+              <a:ext uri="{FF2B5EF4-FFF2-40B4-BE49-F238E27FC236}">
+                <a16:creationId xmlns:a16="http://schemas.microsoft.com/office/drawing/2014/main" id="{6EFEBA95-E0A3-478C-8909-2FCB888D06A2}"/>
+              </a:ext>
+            </a:extLst>
+          </p:cNvPr>
+          <p:cNvPicPr>
+            <a:picLocks noChangeAspect="1"/>
+          </p:cNvPicPr>
+          <p:nvPr/>
+        </p:nvPicPr>
+        <p:blipFill>
+          <a:blip r:embed="rId2"/>
+          <a:stretch>
+            <a:fillRect/>
+          </a:stretch>
+        </p:blipFill>
+        <p:spPr>
+          <a:xfrm>
+            <a:off x="0" y="12469"/>
+            <a:ext cx="9144000" cy="6833062"/>
+          </a:xfrm>
+          <a:prstGeom prst="rect">
+            <a:avLst/>
+          </a:prstGeom>
+        </p:spPr>
+      </p:pic>
+    </p:spTree>
+    <p:extLst>
+      <p:ext uri="{BB962C8B-B14F-4D97-AF65-F5344CB8AC3E}">
+        <p14:creationId xmlns:p14="http://schemas.microsoft.com/office/powerpoint/2010/main" val="2881930077"/>
+      </p:ext>
+    </p:extLst>
+  </p:cSld>
+  <p:clrMapOvr>
+    <a:masterClrMapping/>
+  </p:clrMapOvr>
+</p:sld>
+</file>
+
+<file path=ppt/slides/slide23.xml><?xml version="1.0" encoding="utf-8"?>
 <p:sld xmlns:a="http://schemas.openxmlformats.org/drawingml/2006/main" xmlns:r="http://schemas.openxmlformats.org/officeDocument/2006/relationships" xmlns:p="http://schemas.openxmlformats.org/presentationml/2006/main">
   <p:cSld>
     <p:spTree>
@@ -27153,7 +27507,7 @@
 </p:sld>
 </file>
 
-<file path=ppt/slides/slide23.xml><?xml version="1.0" encoding="utf-8"?>
+<file path=ppt/slides/slide24.xml><?xml version="1.0" encoding="utf-8"?>
 <p:sld xmlns:a="http://schemas.openxmlformats.org/drawingml/2006/main" xmlns:r="http://schemas.openxmlformats.org/officeDocument/2006/relationships" xmlns:p="http://schemas.openxmlformats.org/presentationml/2006/main">
   <p:cSld>
     <p:spTree>
@@ -27172,187 +27526,430 @@
       </p:grpSpPr>
       <p:sp>
         <p:nvSpPr>
-          <p:cNvPr id="23554" name="Rectangle 8"/>
+          <p:cNvPr id="2" name="Titel 1">
+            <a:extLst>
+              <a:ext uri="{FF2B5EF4-FFF2-40B4-BE49-F238E27FC236}">
+                <a16:creationId xmlns:a16="http://schemas.microsoft.com/office/drawing/2014/main" id="{63CCC5C4-EAC2-4B5A-94A2-C62CCAB6D6D9}"/>
+              </a:ext>
+            </a:extLst>
+          </p:cNvPr>
           <p:cNvSpPr>
-            <a:spLocks/>
+            <a:spLocks noGrp="1"/>
           </p:cNvSpPr>
+          <p:nvPr>
+            <p:ph type="title"/>
+          </p:nvPr>
+        </p:nvSpPr>
+        <p:spPr/>
+        <p:txBody>
+          <a:bodyPr/>
+          <a:lstStyle/>
+          <a:p>
+            <a:endParaRPr lang="de-DE"/>
+          </a:p>
+        </p:txBody>
+      </p:sp>
+      <p:sp>
+        <p:nvSpPr>
+          <p:cNvPr id="3" name="Inhaltsplatzhalter 2">
+            <a:extLst>
+              <a:ext uri="{FF2B5EF4-FFF2-40B4-BE49-F238E27FC236}">
+                <a16:creationId xmlns:a16="http://schemas.microsoft.com/office/drawing/2014/main" id="{AD8CF56F-6C99-4617-93E7-B2460F1C3DD0}"/>
+              </a:ext>
+            </a:extLst>
+          </p:cNvPr>
+          <p:cNvSpPr>
+            <a:spLocks noGrp="1"/>
+          </p:cNvSpPr>
+          <p:nvPr>
+            <p:ph idx="1"/>
+          </p:nvPr>
+        </p:nvSpPr>
+        <p:spPr/>
+        <p:txBody>
+          <a:bodyPr/>
+          <a:lstStyle/>
+          <a:p>
+            <a:endParaRPr lang="de-DE" dirty="0"/>
+          </a:p>
+        </p:txBody>
+      </p:sp>
+      <p:sp>
+        <p:nvSpPr>
+          <p:cNvPr id="4" name="Fußzeilenplatzhalter 3">
+            <a:extLst>
+              <a:ext uri="{FF2B5EF4-FFF2-40B4-BE49-F238E27FC236}">
+                <a16:creationId xmlns:a16="http://schemas.microsoft.com/office/drawing/2014/main" id="{2CC553A2-7044-4DC6-B302-A08455FAA20D}"/>
+              </a:ext>
+            </a:extLst>
+          </p:cNvPr>
+          <p:cNvSpPr>
+            <a:spLocks noGrp="1"/>
+          </p:cNvSpPr>
+          <p:nvPr>
+            <p:ph type="ftr" sz="quarter" idx="11"/>
+          </p:nvPr>
+        </p:nvSpPr>
+        <p:spPr/>
+        <p:txBody>
+          <a:bodyPr/>
+          <a:lstStyle/>
+          <a:p>
+            <a:pPr>
+              <a:defRPr/>
+            </a:pPr>
+            <a:r>
+              <a:rPr lang="en-US"/>
+              <a:t>Neuroinformatics - Prof. Dr. Gordon Pipa</a:t>
+            </a:r>
+            <a:endParaRPr lang="en-US" dirty="0"/>
+          </a:p>
+        </p:txBody>
+      </p:sp>
+      <p:pic>
+        <p:nvPicPr>
+          <p:cNvPr id="6" name="Grafik 5">
+            <a:extLst>
+              <a:ext uri="{FF2B5EF4-FFF2-40B4-BE49-F238E27FC236}">
+                <a16:creationId xmlns:a16="http://schemas.microsoft.com/office/drawing/2014/main" id="{EAD4ABE4-671E-4BE3-8CFB-414E8F8DA055}"/>
+              </a:ext>
+            </a:extLst>
+          </p:cNvPr>
+          <p:cNvPicPr>
+            <a:picLocks noChangeAspect="1"/>
+          </p:cNvPicPr>
           <p:nvPr/>
-        </p:nvSpPr>
-        <p:spPr bwMode="auto">
+        </p:nvPicPr>
+        <p:blipFill>
+          <a:blip r:embed="rId2"/>
+          <a:stretch>
+            <a:fillRect/>
+          </a:stretch>
+        </p:blipFill>
+        <p:spPr>
           <a:xfrm>
-            <a:off x="457200" y="0"/>
-            <a:ext cx="8229600" cy="381000"/>
+            <a:off x="1389" y="0"/>
+            <a:ext cx="9141222" cy="6858000"/>
           </a:xfrm>
           <a:prstGeom prst="rect">
             <a:avLst/>
           </a:prstGeom>
-          <a:noFill/>
-          <a:ln>
-            <a:noFill/>
-          </a:ln>
-          <a:extLst>
-            <a:ext uri="{909E8E84-426E-40DD-AFC4-6F175D3DCCD1}">
-              <a14:hiddenFill xmlns:a14="http://schemas.microsoft.com/office/drawing/2010/main">
-                <a:solidFill>
-                  <a:srgbClr val="FFFFFF"/>
-                </a:solidFill>
-              </a14:hiddenFill>
-            </a:ext>
-            <a:ext uri="{91240B29-F687-4F45-9708-019B960494DF}">
-              <a14:hiddenLine xmlns:a14="http://schemas.microsoft.com/office/drawing/2010/main" w="9525">
-                <a:solidFill>
-                  <a:srgbClr val="000000"/>
-                </a:solidFill>
-                <a:miter lim="800000"/>
-                <a:headEnd/>
-                <a:tailEnd/>
-              </a14:hiddenLine>
-            </a:ext>
-          </a:extLst>
         </p:spPr>
+      </p:pic>
+    </p:spTree>
+    <p:extLst>
+      <p:ext uri="{BB962C8B-B14F-4D97-AF65-F5344CB8AC3E}">
+        <p14:creationId xmlns:p14="http://schemas.microsoft.com/office/powerpoint/2010/main" val="1878901078"/>
+      </p:ext>
+    </p:extLst>
+  </p:cSld>
+  <p:clrMapOvr>
+    <a:masterClrMapping/>
+  </p:clrMapOvr>
+</p:sld>
+</file>
+
+<file path=ppt/slides/slide25.xml><?xml version="1.0" encoding="utf-8"?>
+<p:sld xmlns:a="http://schemas.openxmlformats.org/drawingml/2006/main" xmlns:r="http://schemas.openxmlformats.org/officeDocument/2006/relationships" xmlns:p="http://schemas.openxmlformats.org/presentationml/2006/main">
+  <p:cSld>
+    <p:spTree>
+      <p:nvGrpSpPr>
+        <p:cNvPr id="1" name=""/>
+        <p:cNvGrpSpPr/>
+        <p:nvPr/>
+      </p:nvGrpSpPr>
+      <p:grpSpPr>
+        <a:xfrm>
+          <a:off x="0" y="0"/>
+          <a:ext cx="0" cy="0"/>
+          <a:chOff x="0" y="0"/>
+          <a:chExt cx="0" cy="0"/>
+        </a:xfrm>
+      </p:grpSpPr>
+      <p:sp>
+        <p:nvSpPr>
+          <p:cNvPr id="2" name="Titel 1">
+            <a:extLst>
+              <a:ext uri="{FF2B5EF4-FFF2-40B4-BE49-F238E27FC236}">
+                <a16:creationId xmlns:a16="http://schemas.microsoft.com/office/drawing/2014/main" id="{2186090F-E5EA-41B3-852D-ACDAB8BC85B0}"/>
+              </a:ext>
+            </a:extLst>
+          </p:cNvPr>
+          <p:cNvSpPr>
+            <a:spLocks noGrp="1"/>
+          </p:cNvSpPr>
+          <p:nvPr>
+            <p:ph type="title"/>
+          </p:nvPr>
+        </p:nvSpPr>
+        <p:spPr/>
         <p:txBody>
-          <a:bodyPr anchor="ctr"/>
-          <a:lstStyle>
-            <a:lvl1pPr>
-              <a:spcBef>
-                <a:spcPct val="20000"/>
-              </a:spcBef>
-              <a:buFont typeface="Arial" charset="0"/>
-              <a:defRPr sz="2400" b="1">
-                <a:solidFill>
-                  <a:schemeClr val="tx1"/>
-                </a:solidFill>
-                <a:latin typeface="Arial" charset="0"/>
-              </a:defRPr>
-            </a:lvl1pPr>
-            <a:lvl2pPr marL="742950" indent="-285750">
-              <a:spcBef>
-                <a:spcPct val="20000"/>
-              </a:spcBef>
-              <a:buFont typeface="Arial" charset="0"/>
-              <a:defRPr sz="2000">
-                <a:solidFill>
-                  <a:schemeClr val="tx1"/>
-                </a:solidFill>
-                <a:latin typeface="Arial" charset="0"/>
-              </a:defRPr>
-            </a:lvl2pPr>
-            <a:lvl3pPr marL="1143000" indent="-228600">
-              <a:spcBef>
-                <a:spcPct val="20000"/>
-              </a:spcBef>
-              <a:buFont typeface="Arial" charset="0"/>
-              <a:defRPr sz="2000">
-                <a:solidFill>
-                  <a:schemeClr val="tx1"/>
-                </a:solidFill>
-                <a:latin typeface="Arial" charset="0"/>
-              </a:defRPr>
-            </a:lvl3pPr>
-            <a:lvl4pPr marL="1600200" indent="-228600">
-              <a:spcBef>
-                <a:spcPct val="20000"/>
-              </a:spcBef>
-              <a:buFont typeface="Arial" charset="0"/>
-              <a:defRPr sz="2000">
-                <a:solidFill>
-                  <a:schemeClr val="tx1"/>
-                </a:solidFill>
-                <a:latin typeface="Arial" charset="0"/>
-              </a:defRPr>
-            </a:lvl4pPr>
-            <a:lvl5pPr marL="2057400" indent="-228600">
-              <a:spcBef>
-                <a:spcPct val="20000"/>
-              </a:spcBef>
-              <a:buFont typeface="Arial" charset="0"/>
-              <a:defRPr sz="2000">
-                <a:solidFill>
-                  <a:schemeClr val="tx1"/>
-                </a:solidFill>
-                <a:latin typeface="Arial" charset="0"/>
-              </a:defRPr>
-            </a:lvl5pPr>
-            <a:lvl6pPr marL="2514600" indent="-228600" eaLnBrk="0" fontAlgn="base" hangingPunct="0">
-              <a:spcBef>
-                <a:spcPct val="20000"/>
-              </a:spcBef>
-              <a:spcAft>
-                <a:spcPct val="0"/>
-              </a:spcAft>
-              <a:buFont typeface="Arial" charset="0"/>
-              <a:defRPr sz="2000">
-                <a:solidFill>
-                  <a:schemeClr val="tx1"/>
-                </a:solidFill>
-                <a:latin typeface="Arial" charset="0"/>
-              </a:defRPr>
-            </a:lvl6pPr>
-            <a:lvl7pPr marL="2971800" indent="-228600" eaLnBrk="0" fontAlgn="base" hangingPunct="0">
-              <a:spcBef>
-                <a:spcPct val="20000"/>
-              </a:spcBef>
-              <a:spcAft>
-                <a:spcPct val="0"/>
-              </a:spcAft>
-              <a:buFont typeface="Arial" charset="0"/>
-              <a:defRPr sz="2000">
-                <a:solidFill>
-                  <a:schemeClr val="tx1"/>
-                </a:solidFill>
-                <a:latin typeface="Arial" charset="0"/>
-              </a:defRPr>
-            </a:lvl7pPr>
-            <a:lvl8pPr marL="3429000" indent="-228600" eaLnBrk="0" fontAlgn="base" hangingPunct="0">
-              <a:spcBef>
-                <a:spcPct val="20000"/>
-              </a:spcBef>
-              <a:spcAft>
-                <a:spcPct val="0"/>
-              </a:spcAft>
-              <a:buFont typeface="Arial" charset="0"/>
-              <a:defRPr sz="2000">
-                <a:solidFill>
-                  <a:schemeClr val="tx1"/>
-                </a:solidFill>
-                <a:latin typeface="Arial" charset="0"/>
-              </a:defRPr>
-            </a:lvl8pPr>
-            <a:lvl9pPr marL="3886200" indent="-228600" eaLnBrk="0" fontAlgn="base" hangingPunct="0">
-              <a:spcBef>
-                <a:spcPct val="20000"/>
-              </a:spcBef>
-              <a:spcAft>
-                <a:spcPct val="0"/>
-              </a:spcAft>
-              <a:buFont typeface="Arial" charset="0"/>
-              <a:defRPr sz="2000">
-                <a:solidFill>
-                  <a:schemeClr val="tx1"/>
-                </a:solidFill>
-                <a:latin typeface="Arial" charset="0"/>
-              </a:defRPr>
-            </a:lvl9pPr>
-          </a:lstStyle>
+          <a:bodyPr/>
+          <a:lstStyle/>
           <a:p>
-            <a:pPr eaLnBrk="1" hangingPunct="1">
-              <a:spcBef>
-                <a:spcPct val="0"/>
-              </a:spcBef>
-              <a:buFontTx/>
-              <a:buNone/>
-            </a:pPr>
-            <a:r>
-              <a:rPr lang="en-US" altLang="de-DE" sz="2000" dirty="0">
-                <a:solidFill>
-                  <a:schemeClr val="bg1"/>
-                </a:solidFill>
-              </a:rPr>
-              <a:t>Questionnaire</a:t>
-            </a:r>
+            <a:endParaRPr lang="de-DE"/>
           </a:p>
         </p:txBody>
       </p:sp>
+      <p:sp>
+        <p:nvSpPr>
+          <p:cNvPr id="3" name="Inhaltsplatzhalter 2">
+            <a:extLst>
+              <a:ext uri="{FF2B5EF4-FFF2-40B4-BE49-F238E27FC236}">
+                <a16:creationId xmlns:a16="http://schemas.microsoft.com/office/drawing/2014/main" id="{F84E43CB-0EA5-49AB-83ED-7E95E1541BB3}"/>
+              </a:ext>
+            </a:extLst>
+          </p:cNvPr>
+          <p:cNvSpPr>
+            <a:spLocks noGrp="1"/>
+          </p:cNvSpPr>
+          <p:nvPr>
+            <p:ph idx="1"/>
+          </p:nvPr>
+        </p:nvSpPr>
+        <p:spPr/>
+        <p:txBody>
+          <a:bodyPr/>
+          <a:lstStyle/>
+          <a:p>
+            <a:endParaRPr lang="de-DE"/>
+          </a:p>
+        </p:txBody>
+      </p:sp>
+      <p:sp>
+        <p:nvSpPr>
+          <p:cNvPr id="4" name="Fußzeilenplatzhalter 3">
+            <a:extLst>
+              <a:ext uri="{FF2B5EF4-FFF2-40B4-BE49-F238E27FC236}">
+                <a16:creationId xmlns:a16="http://schemas.microsoft.com/office/drawing/2014/main" id="{0396656C-C6FF-4C05-A428-01040142EA0A}"/>
+              </a:ext>
+            </a:extLst>
+          </p:cNvPr>
+          <p:cNvSpPr>
+            <a:spLocks noGrp="1"/>
+          </p:cNvSpPr>
+          <p:nvPr>
+            <p:ph type="ftr" sz="quarter" idx="11"/>
+          </p:nvPr>
+        </p:nvSpPr>
+        <p:spPr/>
+        <p:txBody>
+          <a:bodyPr/>
+          <a:lstStyle/>
+          <a:p>
+            <a:pPr>
+              <a:defRPr/>
+            </a:pPr>
+            <a:r>
+              <a:rPr lang="en-US"/>
+              <a:t>Neuroinformatics - Prof. Dr. Gordon Pipa</a:t>
+            </a:r>
+            <a:endParaRPr lang="en-US" dirty="0"/>
+          </a:p>
+        </p:txBody>
+      </p:sp>
+      <p:pic>
+        <p:nvPicPr>
+          <p:cNvPr id="6" name="Grafik 5">
+            <a:extLst>
+              <a:ext uri="{FF2B5EF4-FFF2-40B4-BE49-F238E27FC236}">
+                <a16:creationId xmlns:a16="http://schemas.microsoft.com/office/drawing/2014/main" id="{0DFFC6EE-05A1-4EFE-B478-C80CB6D7001A}"/>
+              </a:ext>
+            </a:extLst>
+          </p:cNvPr>
+          <p:cNvPicPr>
+            <a:picLocks noChangeAspect="1"/>
+          </p:cNvPicPr>
+          <p:nvPr/>
+        </p:nvPicPr>
+        <p:blipFill>
+          <a:blip r:embed="rId2"/>
+          <a:stretch>
+            <a:fillRect/>
+          </a:stretch>
+        </p:blipFill>
+        <p:spPr>
+          <a:xfrm>
+            <a:off x="6935" y="0"/>
+            <a:ext cx="9130129" cy="6858000"/>
+          </a:xfrm>
+          <a:prstGeom prst="rect">
+            <a:avLst/>
+          </a:prstGeom>
+        </p:spPr>
+      </p:pic>
+    </p:spTree>
+    <p:extLst>
+      <p:ext uri="{BB962C8B-B14F-4D97-AF65-F5344CB8AC3E}">
+        <p14:creationId xmlns:p14="http://schemas.microsoft.com/office/powerpoint/2010/main" val="2195279763"/>
+      </p:ext>
+    </p:extLst>
+  </p:cSld>
+  <p:clrMapOvr>
+    <a:masterClrMapping/>
+  </p:clrMapOvr>
+</p:sld>
+</file>
+
+<file path=ppt/slides/slide26.xml><?xml version="1.0" encoding="utf-8"?>
+<p:sld xmlns:a="http://schemas.openxmlformats.org/drawingml/2006/main" xmlns:r="http://schemas.openxmlformats.org/officeDocument/2006/relationships" xmlns:p="http://schemas.openxmlformats.org/presentationml/2006/main">
+  <p:cSld>
+    <p:spTree>
+      <p:nvGrpSpPr>
+        <p:cNvPr id="1" name=""/>
+        <p:cNvGrpSpPr/>
+        <p:nvPr/>
+      </p:nvGrpSpPr>
+      <p:grpSpPr>
+        <a:xfrm>
+          <a:off x="0" y="0"/>
+          <a:ext cx="0" cy="0"/>
+          <a:chOff x="0" y="0"/>
+          <a:chExt cx="0" cy="0"/>
+        </a:xfrm>
+      </p:grpSpPr>
+      <p:sp>
+        <p:nvSpPr>
+          <p:cNvPr id="2" name="Titel 1">
+            <a:extLst>
+              <a:ext uri="{FF2B5EF4-FFF2-40B4-BE49-F238E27FC236}">
+                <a16:creationId xmlns:a16="http://schemas.microsoft.com/office/drawing/2014/main" id="{DB4FB040-9A72-4EAA-A72E-7897D2302D6F}"/>
+              </a:ext>
+            </a:extLst>
+          </p:cNvPr>
+          <p:cNvSpPr>
+            <a:spLocks noGrp="1"/>
+          </p:cNvSpPr>
+          <p:nvPr>
+            <p:ph type="title"/>
+          </p:nvPr>
+        </p:nvSpPr>
+        <p:spPr/>
+        <p:txBody>
+          <a:bodyPr/>
+          <a:lstStyle/>
+          <a:p>
+            <a:endParaRPr lang="de-DE"/>
+          </a:p>
+        </p:txBody>
+      </p:sp>
+      <p:sp>
+        <p:nvSpPr>
+          <p:cNvPr id="3" name="Inhaltsplatzhalter 2">
+            <a:extLst>
+              <a:ext uri="{FF2B5EF4-FFF2-40B4-BE49-F238E27FC236}">
+                <a16:creationId xmlns:a16="http://schemas.microsoft.com/office/drawing/2014/main" id="{3362145E-719C-4DF2-9F42-07CDD7858A40}"/>
+              </a:ext>
+            </a:extLst>
+          </p:cNvPr>
+          <p:cNvSpPr>
+            <a:spLocks noGrp="1"/>
+          </p:cNvSpPr>
+          <p:nvPr>
+            <p:ph idx="1"/>
+          </p:nvPr>
+        </p:nvSpPr>
+        <p:spPr/>
+        <p:txBody>
+          <a:bodyPr/>
+          <a:lstStyle/>
+          <a:p>
+            <a:endParaRPr lang="de-DE"/>
+          </a:p>
+        </p:txBody>
+      </p:sp>
+      <p:sp>
+        <p:nvSpPr>
+          <p:cNvPr id="4" name="Fußzeilenplatzhalter 3">
+            <a:extLst>
+              <a:ext uri="{FF2B5EF4-FFF2-40B4-BE49-F238E27FC236}">
+                <a16:creationId xmlns:a16="http://schemas.microsoft.com/office/drawing/2014/main" id="{C9E4875F-CBD8-4AF1-A250-7B6F0D6F8A98}"/>
+              </a:ext>
+            </a:extLst>
+          </p:cNvPr>
+          <p:cNvSpPr>
+            <a:spLocks noGrp="1"/>
+          </p:cNvSpPr>
+          <p:nvPr>
+            <p:ph type="ftr" sz="quarter" idx="11"/>
+          </p:nvPr>
+        </p:nvSpPr>
+        <p:spPr/>
+        <p:txBody>
+          <a:bodyPr/>
+          <a:lstStyle/>
+          <a:p>
+            <a:pPr>
+              <a:defRPr/>
+            </a:pPr>
+            <a:r>
+              <a:rPr lang="en-US"/>
+              <a:t>Neuroinformatics - Prof. Dr. Gordon Pipa</a:t>
+            </a:r>
+            <a:endParaRPr lang="en-US" dirty="0"/>
+          </a:p>
+        </p:txBody>
+      </p:sp>
+      <p:pic>
+        <p:nvPicPr>
+          <p:cNvPr id="6" name="Grafik 5">
+            <a:extLst>
+              <a:ext uri="{FF2B5EF4-FFF2-40B4-BE49-F238E27FC236}">
+                <a16:creationId xmlns:a16="http://schemas.microsoft.com/office/drawing/2014/main" id="{4DD916A0-5964-4513-B4B3-62986678D1E1}"/>
+              </a:ext>
+            </a:extLst>
+          </p:cNvPr>
+          <p:cNvPicPr>
+            <a:picLocks noChangeAspect="1"/>
+          </p:cNvPicPr>
+          <p:nvPr/>
+        </p:nvPicPr>
+        <p:blipFill>
+          <a:blip r:embed="rId2"/>
+          <a:stretch>
+            <a:fillRect/>
+          </a:stretch>
+        </p:blipFill>
+        <p:spPr>
+          <a:xfrm>
+            <a:off x="0" y="5200"/>
+            <a:ext cx="9144000" cy="6847600"/>
+          </a:xfrm>
+          <a:prstGeom prst="rect">
+            <a:avLst/>
+          </a:prstGeom>
+        </p:spPr>
+      </p:pic>
+    </p:spTree>
+    <p:extLst>
+      <p:ext uri="{BB962C8B-B14F-4D97-AF65-F5344CB8AC3E}">
+        <p14:creationId xmlns:p14="http://schemas.microsoft.com/office/powerpoint/2010/main" val="3355609204"/>
+      </p:ext>
+    </p:extLst>
+  </p:cSld>
+  <p:clrMapOvr>
+    <a:masterClrMapping/>
+  </p:clrMapOvr>
+</p:sld>
+</file>
+
+<file path=ppt/slides/slide27.xml><?xml version="1.0" encoding="utf-8"?>
+<p:sld xmlns:a="http://schemas.openxmlformats.org/drawingml/2006/main" xmlns:r="http://schemas.openxmlformats.org/officeDocument/2006/relationships" xmlns:p="http://schemas.openxmlformats.org/presentationml/2006/main">
+  <p:cSld>
+    <p:spTree>
+      <p:nvGrpSpPr>
+        <p:cNvPr id="1" name=""/>
+        <p:cNvGrpSpPr/>
+        <p:nvPr/>
+      </p:nvGrpSpPr>
+      <p:grpSpPr>
+        <a:xfrm>
+          <a:off x="0" y="0"/>
+          <a:ext cx="0" cy="0"/>
+          <a:chOff x="0" y="0"/>
+          <a:chExt cx="0" cy="0"/>
+        </a:xfrm>
+      </p:grpSpPr>
       <p:sp>
         <p:nvSpPr>
           <p:cNvPr id="15" name="Rechteck 14"/>
@@ -28224,40 +28821,15 @@
           </a:p>
         </p:txBody>
       </p:sp>
-    </p:spTree>
-    <p:extLst>
-      <p:ext uri="{BB962C8B-B14F-4D97-AF65-F5344CB8AC3E}">
-        <p14:creationId xmlns:p14="http://schemas.microsoft.com/office/powerpoint/2010/main" val="3302938526"/>
-      </p:ext>
-    </p:extLst>
-  </p:cSld>
-  <p:clrMapOvr>
-    <a:masterClrMapping/>
-  </p:clrMapOvr>
-  <p:transition advTm="2401"/>
-</p:sld>
-</file>
-
-<file path=ppt/slides/slide24.xml><?xml version="1.0" encoding="utf-8"?>
-<p:sld xmlns:a="http://schemas.openxmlformats.org/drawingml/2006/main" xmlns:r="http://schemas.openxmlformats.org/officeDocument/2006/relationships" xmlns:p="http://schemas.openxmlformats.org/presentationml/2006/main">
-  <p:cSld>
-    <p:spTree>
-      <p:nvGrpSpPr>
-        <p:cNvPr id="1" name=""/>
-        <p:cNvGrpSpPr/>
-        <p:nvPr/>
-      </p:nvGrpSpPr>
-      <p:grpSpPr>
-        <a:xfrm>
-          <a:off x="0" y="0"/>
-          <a:ext cx="0" cy="0"/>
-          <a:chOff x="0" y="0"/>
-          <a:chExt cx="0" cy="0"/>
-        </a:xfrm>
-      </p:grpSpPr>
       <p:sp>
         <p:nvSpPr>
-          <p:cNvPr id="23554" name="Rectangle 8"/>
+          <p:cNvPr id="3" name="Rectangle 8">
+            <a:extLst>
+              <a:ext uri="{FF2B5EF4-FFF2-40B4-BE49-F238E27FC236}">
+                <a16:creationId xmlns:a16="http://schemas.microsoft.com/office/drawing/2014/main" id="{EE66EE70-01CD-4265-9169-02DF75DEA4EB}"/>
+              </a:ext>
+            </a:extLst>
+          </p:cNvPr>
           <p:cNvSpPr>
             <a:spLocks/>
           </p:cNvSpPr>
@@ -28433,11 +29005,184 @@
                   <a:schemeClr val="bg1"/>
                 </a:solidFill>
               </a:rPr>
-              <a:t>Questionnaire</a:t>
+              <a:t>Questionnaire – Q3 – Problem 5+6</a:t>
             </a:r>
           </a:p>
         </p:txBody>
       </p:sp>
+    </p:spTree>
+    <p:extLst>
+      <p:ext uri="{BB962C8B-B14F-4D97-AF65-F5344CB8AC3E}">
+        <p14:creationId xmlns:p14="http://schemas.microsoft.com/office/powerpoint/2010/main" val="3302938526"/>
+      </p:ext>
+    </p:extLst>
+  </p:cSld>
+  <p:clrMapOvr>
+    <a:masterClrMapping/>
+  </p:clrMapOvr>
+  <p:transition advTm="2401"/>
+</p:sld>
+</file>
+
+<file path=ppt/slides/slide28.xml><?xml version="1.0" encoding="utf-8"?>
+<p:sld xmlns:a="http://schemas.openxmlformats.org/drawingml/2006/main" xmlns:r="http://schemas.openxmlformats.org/officeDocument/2006/relationships" xmlns:p="http://schemas.openxmlformats.org/presentationml/2006/main">
+  <p:cSld>
+    <p:spTree>
+      <p:nvGrpSpPr>
+        <p:cNvPr id="1" name=""/>
+        <p:cNvGrpSpPr/>
+        <p:nvPr/>
+      </p:nvGrpSpPr>
+      <p:grpSpPr>
+        <a:xfrm>
+          <a:off x="0" y="0"/>
+          <a:ext cx="0" cy="0"/>
+          <a:chOff x="0" y="0"/>
+          <a:chExt cx="0" cy="0"/>
+        </a:xfrm>
+      </p:grpSpPr>
+      <p:sp>
+        <p:nvSpPr>
+          <p:cNvPr id="2" name="Titel 1">
+            <a:extLst>
+              <a:ext uri="{FF2B5EF4-FFF2-40B4-BE49-F238E27FC236}">
+                <a16:creationId xmlns:a16="http://schemas.microsoft.com/office/drawing/2014/main" id="{41FF1642-E126-4DA5-A5B3-5DF27297C19F}"/>
+              </a:ext>
+            </a:extLst>
+          </p:cNvPr>
+          <p:cNvSpPr>
+            <a:spLocks noGrp="1"/>
+          </p:cNvSpPr>
+          <p:nvPr>
+            <p:ph type="title"/>
+          </p:nvPr>
+        </p:nvSpPr>
+        <p:spPr/>
+        <p:txBody>
+          <a:bodyPr/>
+          <a:lstStyle/>
+          <a:p>
+            <a:endParaRPr lang="de-DE"/>
+          </a:p>
+        </p:txBody>
+      </p:sp>
+      <p:sp>
+        <p:nvSpPr>
+          <p:cNvPr id="3" name="Inhaltsplatzhalter 2">
+            <a:extLst>
+              <a:ext uri="{FF2B5EF4-FFF2-40B4-BE49-F238E27FC236}">
+                <a16:creationId xmlns:a16="http://schemas.microsoft.com/office/drawing/2014/main" id="{FA5B38DA-D3E4-4479-BAD9-13BE1756327D}"/>
+              </a:ext>
+            </a:extLst>
+          </p:cNvPr>
+          <p:cNvSpPr>
+            <a:spLocks noGrp="1"/>
+          </p:cNvSpPr>
+          <p:nvPr>
+            <p:ph idx="1"/>
+          </p:nvPr>
+        </p:nvSpPr>
+        <p:spPr/>
+        <p:txBody>
+          <a:bodyPr/>
+          <a:lstStyle/>
+          <a:p>
+            <a:endParaRPr lang="de-DE"/>
+          </a:p>
+        </p:txBody>
+      </p:sp>
+      <p:sp>
+        <p:nvSpPr>
+          <p:cNvPr id="4" name="Fußzeilenplatzhalter 3">
+            <a:extLst>
+              <a:ext uri="{FF2B5EF4-FFF2-40B4-BE49-F238E27FC236}">
+                <a16:creationId xmlns:a16="http://schemas.microsoft.com/office/drawing/2014/main" id="{A98CDF71-C392-4ED2-B980-190C762EE998}"/>
+              </a:ext>
+            </a:extLst>
+          </p:cNvPr>
+          <p:cNvSpPr>
+            <a:spLocks noGrp="1"/>
+          </p:cNvSpPr>
+          <p:nvPr>
+            <p:ph type="ftr" sz="quarter" idx="11"/>
+          </p:nvPr>
+        </p:nvSpPr>
+        <p:spPr/>
+        <p:txBody>
+          <a:bodyPr/>
+          <a:lstStyle/>
+          <a:p>
+            <a:pPr>
+              <a:defRPr/>
+            </a:pPr>
+            <a:r>
+              <a:rPr lang="en-US"/>
+              <a:t>Neuroinformatics - Prof. Dr. Gordon Pipa</a:t>
+            </a:r>
+            <a:endParaRPr lang="en-US" dirty="0"/>
+          </a:p>
+        </p:txBody>
+      </p:sp>
+      <p:pic>
+        <p:nvPicPr>
+          <p:cNvPr id="6" name="Grafik 5">
+            <a:extLst>
+              <a:ext uri="{FF2B5EF4-FFF2-40B4-BE49-F238E27FC236}">
+                <a16:creationId xmlns:a16="http://schemas.microsoft.com/office/drawing/2014/main" id="{CB77AA56-124D-4077-995E-59558E903105}"/>
+              </a:ext>
+            </a:extLst>
+          </p:cNvPr>
+          <p:cNvPicPr>
+            <a:picLocks noChangeAspect="1"/>
+          </p:cNvPicPr>
+          <p:nvPr/>
+        </p:nvPicPr>
+        <p:blipFill>
+          <a:blip r:embed="rId2"/>
+          <a:stretch>
+            <a:fillRect/>
+          </a:stretch>
+        </p:blipFill>
+        <p:spPr>
+          <a:xfrm>
+            <a:off x="0" y="6223"/>
+            <a:ext cx="9144000" cy="6845554"/>
+          </a:xfrm>
+          <a:prstGeom prst="rect">
+            <a:avLst/>
+          </a:prstGeom>
+        </p:spPr>
+      </p:pic>
+    </p:spTree>
+    <p:extLst>
+      <p:ext uri="{BB962C8B-B14F-4D97-AF65-F5344CB8AC3E}">
+        <p14:creationId xmlns:p14="http://schemas.microsoft.com/office/powerpoint/2010/main" val="1614642719"/>
+      </p:ext>
+    </p:extLst>
+  </p:cSld>
+  <p:clrMapOvr>
+    <a:masterClrMapping/>
+  </p:clrMapOvr>
+</p:sld>
+</file>
+
+<file path=ppt/slides/slide29.xml><?xml version="1.0" encoding="utf-8"?>
+<p:sld xmlns:a="http://schemas.openxmlformats.org/drawingml/2006/main" xmlns:r="http://schemas.openxmlformats.org/officeDocument/2006/relationships" xmlns:p="http://schemas.openxmlformats.org/presentationml/2006/main">
+  <p:cSld>
+    <p:spTree>
+      <p:nvGrpSpPr>
+        <p:cNvPr id="1" name=""/>
+        <p:cNvGrpSpPr/>
+        <p:nvPr/>
+      </p:nvGrpSpPr>
+      <p:grpSpPr>
+        <a:xfrm>
+          <a:off x="0" y="0"/>
+          <a:ext cx="0" cy="0"/>
+          <a:chOff x="0" y="0"/>
+          <a:chExt cx="0" cy="0"/>
+        </a:xfrm>
+      </p:grpSpPr>
       <p:sp>
         <p:nvSpPr>
           <p:cNvPr id="15" name="Rechteck 14"/>
@@ -31255,6 +32000,195 @@
             <a:r>
               <a:rPr lang="de-DE" dirty="0"/>
               <a:t>R</a:t>
+            </a:r>
+          </a:p>
+        </p:txBody>
+      </p:sp>
+      <p:sp>
+        <p:nvSpPr>
+          <p:cNvPr id="2" name="Rectangle 8">
+            <a:extLst>
+              <a:ext uri="{FF2B5EF4-FFF2-40B4-BE49-F238E27FC236}">
+                <a16:creationId xmlns:a16="http://schemas.microsoft.com/office/drawing/2014/main" id="{EBFAF7FF-1EF4-4A62-9D14-660B13DB7570}"/>
+              </a:ext>
+            </a:extLst>
+          </p:cNvPr>
+          <p:cNvSpPr>
+            <a:spLocks/>
+          </p:cNvSpPr>
+          <p:nvPr/>
+        </p:nvSpPr>
+        <p:spPr bwMode="auto">
+          <a:xfrm>
+            <a:off x="457200" y="0"/>
+            <a:ext cx="8229600" cy="381000"/>
+          </a:xfrm>
+          <a:prstGeom prst="rect">
+            <a:avLst/>
+          </a:prstGeom>
+          <a:noFill/>
+          <a:ln>
+            <a:noFill/>
+          </a:ln>
+          <a:extLst>
+            <a:ext uri="{909E8E84-426E-40DD-AFC4-6F175D3DCCD1}">
+              <a14:hiddenFill xmlns:a14="http://schemas.microsoft.com/office/drawing/2010/main">
+                <a:solidFill>
+                  <a:srgbClr val="FFFFFF"/>
+                </a:solidFill>
+              </a14:hiddenFill>
+            </a:ext>
+            <a:ext uri="{91240B29-F687-4F45-9708-019B960494DF}">
+              <a14:hiddenLine xmlns:a14="http://schemas.microsoft.com/office/drawing/2010/main" w="9525">
+                <a:solidFill>
+                  <a:srgbClr val="000000"/>
+                </a:solidFill>
+                <a:miter lim="800000"/>
+                <a:headEnd/>
+                <a:tailEnd/>
+              </a14:hiddenLine>
+            </a:ext>
+          </a:extLst>
+        </p:spPr>
+        <p:txBody>
+          <a:bodyPr anchor="ctr"/>
+          <a:lstStyle>
+            <a:lvl1pPr>
+              <a:spcBef>
+                <a:spcPct val="20000"/>
+              </a:spcBef>
+              <a:buFont typeface="Arial" charset="0"/>
+              <a:defRPr sz="2400" b="1">
+                <a:solidFill>
+                  <a:schemeClr val="tx1"/>
+                </a:solidFill>
+                <a:latin typeface="Arial" charset="0"/>
+              </a:defRPr>
+            </a:lvl1pPr>
+            <a:lvl2pPr marL="742950" indent="-285750">
+              <a:spcBef>
+                <a:spcPct val="20000"/>
+              </a:spcBef>
+              <a:buFont typeface="Arial" charset="0"/>
+              <a:defRPr sz="2000">
+                <a:solidFill>
+                  <a:schemeClr val="tx1"/>
+                </a:solidFill>
+                <a:latin typeface="Arial" charset="0"/>
+              </a:defRPr>
+            </a:lvl2pPr>
+            <a:lvl3pPr marL="1143000" indent="-228600">
+              <a:spcBef>
+                <a:spcPct val="20000"/>
+              </a:spcBef>
+              <a:buFont typeface="Arial" charset="0"/>
+              <a:defRPr sz="2000">
+                <a:solidFill>
+                  <a:schemeClr val="tx1"/>
+                </a:solidFill>
+                <a:latin typeface="Arial" charset="0"/>
+              </a:defRPr>
+            </a:lvl3pPr>
+            <a:lvl4pPr marL="1600200" indent="-228600">
+              <a:spcBef>
+                <a:spcPct val="20000"/>
+              </a:spcBef>
+              <a:buFont typeface="Arial" charset="0"/>
+              <a:defRPr sz="2000">
+                <a:solidFill>
+                  <a:schemeClr val="tx1"/>
+                </a:solidFill>
+                <a:latin typeface="Arial" charset="0"/>
+              </a:defRPr>
+            </a:lvl4pPr>
+            <a:lvl5pPr marL="2057400" indent="-228600">
+              <a:spcBef>
+                <a:spcPct val="20000"/>
+              </a:spcBef>
+              <a:buFont typeface="Arial" charset="0"/>
+              <a:defRPr sz="2000">
+                <a:solidFill>
+                  <a:schemeClr val="tx1"/>
+                </a:solidFill>
+                <a:latin typeface="Arial" charset="0"/>
+              </a:defRPr>
+            </a:lvl5pPr>
+            <a:lvl6pPr marL="2514600" indent="-228600" eaLnBrk="0" fontAlgn="base" hangingPunct="0">
+              <a:spcBef>
+                <a:spcPct val="20000"/>
+              </a:spcBef>
+              <a:spcAft>
+                <a:spcPct val="0"/>
+              </a:spcAft>
+              <a:buFont typeface="Arial" charset="0"/>
+              <a:defRPr sz="2000">
+                <a:solidFill>
+                  <a:schemeClr val="tx1"/>
+                </a:solidFill>
+                <a:latin typeface="Arial" charset="0"/>
+              </a:defRPr>
+            </a:lvl6pPr>
+            <a:lvl7pPr marL="2971800" indent="-228600" eaLnBrk="0" fontAlgn="base" hangingPunct="0">
+              <a:spcBef>
+                <a:spcPct val="20000"/>
+              </a:spcBef>
+              <a:spcAft>
+                <a:spcPct val="0"/>
+              </a:spcAft>
+              <a:buFont typeface="Arial" charset="0"/>
+              <a:defRPr sz="2000">
+                <a:solidFill>
+                  <a:schemeClr val="tx1"/>
+                </a:solidFill>
+                <a:latin typeface="Arial" charset="0"/>
+              </a:defRPr>
+            </a:lvl7pPr>
+            <a:lvl8pPr marL="3429000" indent="-228600" eaLnBrk="0" fontAlgn="base" hangingPunct="0">
+              <a:spcBef>
+                <a:spcPct val="20000"/>
+              </a:spcBef>
+              <a:spcAft>
+                <a:spcPct val="0"/>
+              </a:spcAft>
+              <a:buFont typeface="Arial" charset="0"/>
+              <a:defRPr sz="2000">
+                <a:solidFill>
+                  <a:schemeClr val="tx1"/>
+                </a:solidFill>
+                <a:latin typeface="Arial" charset="0"/>
+              </a:defRPr>
+            </a:lvl8pPr>
+            <a:lvl9pPr marL="3886200" indent="-228600" eaLnBrk="0" fontAlgn="base" hangingPunct="0">
+              <a:spcBef>
+                <a:spcPct val="20000"/>
+              </a:spcBef>
+              <a:spcAft>
+                <a:spcPct val="0"/>
+              </a:spcAft>
+              <a:buFont typeface="Arial" charset="0"/>
+              <a:defRPr sz="2000">
+                <a:solidFill>
+                  <a:schemeClr val="tx1"/>
+                </a:solidFill>
+                <a:latin typeface="Arial" charset="0"/>
+              </a:defRPr>
+            </a:lvl9pPr>
+          </a:lstStyle>
+          <a:p>
+            <a:pPr eaLnBrk="1" hangingPunct="1">
+              <a:spcBef>
+                <a:spcPct val="0"/>
+              </a:spcBef>
+              <a:buFontTx/>
+              <a:buNone/>
+            </a:pPr>
+            <a:r>
+              <a:rPr lang="en-US" altLang="de-DE" sz="2000" dirty="0">
+                <a:solidFill>
+                  <a:schemeClr val="bg1"/>
+                </a:solidFill>
+              </a:rPr>
+              <a:t>Questionnaire – Q3 – Problem 5+6</a:t>
             </a:r>
           </a:p>
         </p:txBody>

--- a/Homework_Jacqueline/Neuroinformatic/NI_Lecture.pptx
+++ b/Homework_Jacqueline/Neuroinformatic/NI_Lecture.pptx
@@ -16231,16 +16231,7 @@
                             </a:solidFill>
                             <a:latin typeface="Cambria Math" panose="02040503050406030204" pitchFamily="18" charset="0"/>
                           </a:rPr>
-                          <m:t>=</m:t>
-                        </m:r>
-                        <m:r>
-                          <a:rPr lang="en-AU" smtClean="0">
-                            <a:solidFill>
-                              <a:srgbClr val="000000"/>
-                            </a:solidFill>
-                            <a:latin typeface="Cambria Math" panose="02040503050406030204" pitchFamily="18" charset="0"/>
-                          </a:rPr>
-                          <m:t>0</m:t>
+                          <m:t>=0</m:t>
                         </m:r>
                       </m:e>
                     </m:d>
@@ -16293,16 +16284,7 @@
                             </a:solidFill>
                             <a:latin typeface="Cambria Math" panose="02040503050406030204" pitchFamily="18" charset="0"/>
                           </a:rPr>
-                          <m:t>=</m:t>
-                        </m:r>
-                        <m:r>
-                          <a:rPr lang="en-AU" smtClean="0">
-                            <a:solidFill>
-                              <a:srgbClr val="000000"/>
-                            </a:solidFill>
-                            <a:latin typeface="Cambria Math" panose="02040503050406030204" pitchFamily="18" charset="0"/>
-                          </a:rPr>
-                          <m:t>0</m:t>
+                          <m:t>=0</m:t>
                         </m:r>
                       </m:e>
                     </m:d>
@@ -16352,25 +16334,7 @@
                         </a:solidFill>
                         <a:latin typeface="Cambria Math" panose="02040503050406030204" pitchFamily="18" charset="0"/>
                       </a:rPr>
-                      <m:t>=</m:t>
-                    </m:r>
-                    <m:r>
-                      <a:rPr lang="en-AU" smtClean="0">
-                        <a:solidFill>
-                          <a:srgbClr val="000000"/>
-                        </a:solidFill>
-                        <a:latin typeface="Cambria Math" panose="02040503050406030204" pitchFamily="18" charset="0"/>
-                      </a:rPr>
-                      <m:t>0</m:t>
-                    </m:r>
-                    <m:r>
-                      <a:rPr lang="en-AU" smtClean="0">
-                        <a:solidFill>
-                          <a:srgbClr val="000000"/>
-                        </a:solidFill>
-                        <a:latin typeface="Cambria Math" panose="02040503050406030204" pitchFamily="18" charset="0"/>
-                      </a:rPr>
-                      <m:t>|</m:t>
+                      <m:t>=0|</m:t>
                     </m:r>
                     <m:r>
                       <a:rPr lang="en-AU" smtClean="0">
@@ -16388,25 +16352,7 @@
                         </a:solidFill>
                         <a:latin typeface="Cambria Math" panose="02040503050406030204" pitchFamily="18" charset="0"/>
                       </a:rPr>
-                      <m:t>=</m:t>
-                    </m:r>
-                    <m:r>
-                      <a:rPr lang="en-AU" smtClean="0">
-                        <a:solidFill>
-                          <a:srgbClr val="000000"/>
-                        </a:solidFill>
-                        <a:latin typeface="Cambria Math" panose="02040503050406030204" pitchFamily="18" charset="0"/>
-                      </a:rPr>
-                      <m:t>0</m:t>
-                    </m:r>
-                    <m:r>
-                      <a:rPr lang="en-AU" smtClean="0">
-                        <a:solidFill>
-                          <a:srgbClr val="000000"/>
-                        </a:solidFill>
-                        <a:latin typeface="Cambria Math" panose="02040503050406030204" pitchFamily="18" charset="0"/>
-                      </a:rPr>
-                      <m:t>,</m:t>
+                      <m:t>=0,</m:t>
                     </m:r>
                     <m:r>
                       <m:rPr>
@@ -16427,25 +16373,7 @@
                         </a:solidFill>
                         <a:latin typeface="Cambria Math" panose="02040503050406030204" pitchFamily="18" charset="0"/>
                       </a:rPr>
-                      <m:t>=</m:t>
-                    </m:r>
-                    <m:r>
-                      <a:rPr lang="en-AU" smtClean="0">
-                        <a:solidFill>
-                          <a:srgbClr val="000000"/>
-                        </a:solidFill>
-                        <a:latin typeface="Cambria Math" panose="02040503050406030204" pitchFamily="18" charset="0"/>
-                      </a:rPr>
-                      <m:t>0</m:t>
-                    </m:r>
-                    <m:r>
-                      <a:rPr lang="en-AU" smtClean="0">
-                        <a:solidFill>
-                          <a:srgbClr val="000000"/>
-                        </a:solidFill>
-                        <a:latin typeface="Cambria Math" panose="02040503050406030204" pitchFamily="18" charset="0"/>
-                      </a:rPr>
-                      <m:t>)</m:t>
+                      <m:t>=0)</m:t>
                     </m:r>
                   </m:oMath>
                 </a14:m>
@@ -16505,16 +16433,7 @@
                             </a:solidFill>
                             <a:latin typeface="Cambria Math" panose="02040503050406030204" pitchFamily="18" charset="0"/>
                           </a:rPr>
-                          <m:t>=</m:t>
-                        </m:r>
-                        <m:r>
-                          <a:rPr lang="en-AU" smtClean="0">
-                            <a:solidFill>
-                              <a:srgbClr val="000000"/>
-                            </a:solidFill>
-                            <a:latin typeface="Cambria Math" panose="02040503050406030204" pitchFamily="18" charset="0"/>
-                          </a:rPr>
-                          <m:t>1</m:t>
+                          <m:t>=1</m:t>
                         </m:r>
                       </m:e>
                     </m:d>
@@ -16567,16 +16486,7 @@
                             </a:solidFill>
                             <a:latin typeface="Cambria Math" panose="02040503050406030204" pitchFamily="18" charset="0"/>
                           </a:rPr>
-                          <m:t>=</m:t>
-                        </m:r>
-                        <m:r>
-                          <a:rPr lang="en-AU" smtClean="0">
-                            <a:solidFill>
-                              <a:srgbClr val="000000"/>
-                            </a:solidFill>
-                            <a:latin typeface="Cambria Math" panose="02040503050406030204" pitchFamily="18" charset="0"/>
-                          </a:rPr>
-                          <m:t>0</m:t>
+                          <m:t>=0</m:t>
                         </m:r>
                       </m:e>
                     </m:d>
@@ -16626,25 +16536,7 @@
                         </a:solidFill>
                         <a:latin typeface="Cambria Math" panose="02040503050406030204" pitchFamily="18" charset="0"/>
                       </a:rPr>
-                      <m:t>=</m:t>
-                    </m:r>
-                    <m:r>
-                      <a:rPr lang="en-AU" smtClean="0">
-                        <a:solidFill>
-                          <a:srgbClr val="000000"/>
-                        </a:solidFill>
-                        <a:latin typeface="Cambria Math" panose="02040503050406030204" pitchFamily="18" charset="0"/>
-                      </a:rPr>
-                      <m:t>0</m:t>
-                    </m:r>
-                    <m:r>
-                      <a:rPr lang="en-AU" smtClean="0">
-                        <a:solidFill>
-                          <a:srgbClr val="000000"/>
-                        </a:solidFill>
-                        <a:latin typeface="Cambria Math" panose="02040503050406030204" pitchFamily="18" charset="0"/>
-                      </a:rPr>
-                      <m:t>|</m:t>
+                      <m:t>=0|</m:t>
                     </m:r>
                     <m:r>
                       <a:rPr lang="en-AU" smtClean="0">
@@ -16662,25 +16554,7 @@
                         </a:solidFill>
                         <a:latin typeface="Cambria Math" panose="02040503050406030204" pitchFamily="18" charset="0"/>
                       </a:rPr>
-                      <m:t>=</m:t>
-                    </m:r>
-                    <m:r>
-                      <a:rPr lang="en-AU" smtClean="0">
-                        <a:solidFill>
-                          <a:srgbClr val="000000"/>
-                        </a:solidFill>
-                        <a:latin typeface="Cambria Math" panose="02040503050406030204" pitchFamily="18" charset="0"/>
-                      </a:rPr>
-                      <m:t>1</m:t>
-                    </m:r>
-                    <m:r>
-                      <a:rPr lang="en-AU" smtClean="0">
-                        <a:solidFill>
-                          <a:srgbClr val="000000"/>
-                        </a:solidFill>
-                        <a:latin typeface="Cambria Math" panose="02040503050406030204" pitchFamily="18" charset="0"/>
-                      </a:rPr>
-                      <m:t>,</m:t>
+                      <m:t>=1,</m:t>
                     </m:r>
                     <m:r>
                       <m:rPr>
@@ -16701,25 +16575,7 @@
                         </a:solidFill>
                         <a:latin typeface="Cambria Math" panose="02040503050406030204" pitchFamily="18" charset="0"/>
                       </a:rPr>
-                      <m:t>=</m:t>
-                    </m:r>
-                    <m:r>
-                      <a:rPr lang="en-AU" smtClean="0">
-                        <a:solidFill>
-                          <a:srgbClr val="000000"/>
-                        </a:solidFill>
-                        <a:latin typeface="Cambria Math" panose="02040503050406030204" pitchFamily="18" charset="0"/>
-                      </a:rPr>
-                      <m:t>0</m:t>
-                    </m:r>
-                    <m:r>
-                      <a:rPr lang="en-AU" smtClean="0">
-                        <a:solidFill>
-                          <a:srgbClr val="000000"/>
-                        </a:solidFill>
-                        <a:latin typeface="Cambria Math" panose="02040503050406030204" pitchFamily="18" charset="0"/>
-                      </a:rPr>
-                      <m:t>)</m:t>
+                      <m:t>=0)</m:t>
                     </m:r>
                   </m:oMath>
                 </a14:m>
@@ -16779,16 +16635,7 @@
                             </a:solidFill>
                             <a:latin typeface="Cambria Math" panose="02040503050406030204" pitchFamily="18" charset="0"/>
                           </a:rPr>
-                          <m:t>=</m:t>
-                        </m:r>
-                        <m:r>
-                          <a:rPr lang="en-AU" smtClean="0">
-                            <a:solidFill>
-                              <a:srgbClr val="000000"/>
-                            </a:solidFill>
-                            <a:latin typeface="Cambria Math" panose="02040503050406030204" pitchFamily="18" charset="0"/>
-                          </a:rPr>
-                          <m:t>0</m:t>
+                          <m:t>=0</m:t>
                         </m:r>
                       </m:e>
                     </m:d>
@@ -16841,16 +16688,7 @@
                             </a:solidFill>
                             <a:latin typeface="Cambria Math" panose="02040503050406030204" pitchFamily="18" charset="0"/>
                           </a:rPr>
-                          <m:t>=</m:t>
-                        </m:r>
-                        <m:r>
-                          <a:rPr lang="en-AU" smtClean="0">
-                            <a:solidFill>
-                              <a:srgbClr val="000000"/>
-                            </a:solidFill>
-                            <a:latin typeface="Cambria Math" panose="02040503050406030204" pitchFamily="18" charset="0"/>
-                          </a:rPr>
-                          <m:t>1</m:t>
+                          <m:t>=1</m:t>
                         </m:r>
                       </m:e>
                     </m:d>
@@ -16900,25 +16738,7 @@
                         </a:solidFill>
                         <a:latin typeface="Cambria Math" panose="02040503050406030204" pitchFamily="18" charset="0"/>
                       </a:rPr>
-                      <m:t>=</m:t>
-                    </m:r>
-                    <m:r>
-                      <a:rPr lang="en-AU" smtClean="0">
-                        <a:solidFill>
-                          <a:srgbClr val="000000"/>
-                        </a:solidFill>
-                        <a:latin typeface="Cambria Math" panose="02040503050406030204" pitchFamily="18" charset="0"/>
-                      </a:rPr>
-                      <m:t>0</m:t>
-                    </m:r>
-                    <m:r>
-                      <a:rPr lang="en-AU" smtClean="0">
-                        <a:solidFill>
-                          <a:srgbClr val="000000"/>
-                        </a:solidFill>
-                        <a:latin typeface="Cambria Math" panose="02040503050406030204" pitchFamily="18" charset="0"/>
-                      </a:rPr>
-                      <m:t>|</m:t>
+                      <m:t>=0|</m:t>
                     </m:r>
                     <m:r>
                       <a:rPr lang="en-AU" smtClean="0">
@@ -16936,25 +16756,7 @@
                         </a:solidFill>
                         <a:latin typeface="Cambria Math" panose="02040503050406030204" pitchFamily="18" charset="0"/>
                       </a:rPr>
-                      <m:t>=</m:t>
-                    </m:r>
-                    <m:r>
-                      <a:rPr lang="en-AU" smtClean="0">
-                        <a:solidFill>
-                          <a:srgbClr val="000000"/>
-                        </a:solidFill>
-                        <a:latin typeface="Cambria Math" panose="02040503050406030204" pitchFamily="18" charset="0"/>
-                      </a:rPr>
-                      <m:t>0</m:t>
-                    </m:r>
-                    <m:r>
-                      <a:rPr lang="en-AU" smtClean="0">
-                        <a:solidFill>
-                          <a:srgbClr val="000000"/>
-                        </a:solidFill>
-                        <a:latin typeface="Cambria Math" panose="02040503050406030204" pitchFamily="18" charset="0"/>
-                      </a:rPr>
-                      <m:t>,</m:t>
+                      <m:t>=0,</m:t>
                     </m:r>
                     <m:r>
                       <m:rPr>
@@ -16975,25 +16777,7 @@
                         </a:solidFill>
                         <a:latin typeface="Cambria Math" panose="02040503050406030204" pitchFamily="18" charset="0"/>
                       </a:rPr>
-                      <m:t>=</m:t>
-                    </m:r>
-                    <m:r>
-                      <a:rPr lang="en-AU" smtClean="0">
-                        <a:solidFill>
-                          <a:srgbClr val="000000"/>
-                        </a:solidFill>
-                        <a:latin typeface="Cambria Math" panose="02040503050406030204" pitchFamily="18" charset="0"/>
-                      </a:rPr>
-                      <m:t>1</m:t>
-                    </m:r>
-                    <m:r>
-                      <a:rPr lang="en-AU" smtClean="0">
-                        <a:solidFill>
-                          <a:srgbClr val="000000"/>
-                        </a:solidFill>
-                        <a:latin typeface="Cambria Math" panose="02040503050406030204" pitchFamily="18" charset="0"/>
-                      </a:rPr>
-                      <m:t>)</m:t>
+                      <m:t>=1)</m:t>
                     </m:r>
                   </m:oMath>
                 </a14:m>
@@ -17057,16 +16841,7 @@
                               </a:solidFill>
                               <a:latin typeface="Cambria Math" panose="02040503050406030204" pitchFamily="18" charset="0"/>
                             </a:rPr>
-                            <m:t>=</m:t>
-                          </m:r>
-                          <m:r>
-                            <a:rPr lang="en-AU" smtClean="0">
-                              <a:solidFill>
-                                <a:srgbClr val="000000"/>
-                              </a:solidFill>
-                              <a:latin typeface="Cambria Math" panose="02040503050406030204" pitchFamily="18" charset="0"/>
-                            </a:rPr>
-                            <m:t>1</m:t>
+                            <m:t>=1</m:t>
                           </m:r>
                         </m:e>
                       </m:d>
@@ -17119,16 +16894,7 @@
                               </a:solidFill>
                               <a:latin typeface="Cambria Math" panose="02040503050406030204" pitchFamily="18" charset="0"/>
                             </a:rPr>
-                            <m:t>=</m:t>
-                          </m:r>
-                          <m:r>
-                            <a:rPr lang="en-AU" smtClean="0">
-                              <a:solidFill>
-                                <a:srgbClr val="000000"/>
-                              </a:solidFill>
-                              <a:latin typeface="Cambria Math" panose="02040503050406030204" pitchFamily="18" charset="0"/>
-                            </a:rPr>
-                            <m:t>1</m:t>
+                            <m:t>=1</m:t>
                           </m:r>
                         </m:e>
                       </m:d>
@@ -17178,25 +16944,7 @@
                           </a:solidFill>
                           <a:latin typeface="Cambria Math" panose="02040503050406030204" pitchFamily="18" charset="0"/>
                         </a:rPr>
-                        <m:t>=</m:t>
-                      </m:r>
-                      <m:r>
-                        <a:rPr lang="en-AU" smtClean="0">
-                          <a:solidFill>
-                            <a:srgbClr val="000000"/>
-                          </a:solidFill>
-                          <a:latin typeface="Cambria Math" panose="02040503050406030204" pitchFamily="18" charset="0"/>
-                        </a:rPr>
-                        <m:t>0</m:t>
-                      </m:r>
-                      <m:r>
-                        <a:rPr lang="en-AU" smtClean="0">
-                          <a:solidFill>
-                            <a:srgbClr val="000000"/>
-                          </a:solidFill>
-                          <a:latin typeface="Cambria Math" panose="02040503050406030204" pitchFamily="18" charset="0"/>
-                        </a:rPr>
-                        <m:t>|</m:t>
+                        <m:t>=0|</m:t>
                       </m:r>
                       <m:r>
                         <a:rPr lang="en-AU" smtClean="0">
@@ -17214,25 +16962,7 @@
                           </a:solidFill>
                           <a:latin typeface="Cambria Math" panose="02040503050406030204" pitchFamily="18" charset="0"/>
                         </a:rPr>
-                        <m:t>=</m:t>
-                      </m:r>
-                      <m:r>
-                        <a:rPr lang="en-AU" smtClean="0">
-                          <a:solidFill>
-                            <a:srgbClr val="000000"/>
-                          </a:solidFill>
-                          <a:latin typeface="Cambria Math" panose="02040503050406030204" pitchFamily="18" charset="0"/>
-                        </a:rPr>
-                        <m:t>1</m:t>
-                      </m:r>
-                      <m:r>
-                        <a:rPr lang="en-AU" smtClean="0">
-                          <a:solidFill>
-                            <a:srgbClr val="000000"/>
-                          </a:solidFill>
-                          <a:latin typeface="Cambria Math" panose="02040503050406030204" pitchFamily="18" charset="0"/>
-                        </a:rPr>
-                        <m:t>,</m:t>
+                        <m:t>=1,</m:t>
                       </m:r>
                       <m:r>
                         <m:rPr>
@@ -17253,25 +16983,7 @@
                           </a:solidFill>
                           <a:latin typeface="Cambria Math" panose="02040503050406030204" pitchFamily="18" charset="0"/>
                         </a:rPr>
-                        <m:t>=</m:t>
-                      </m:r>
-                      <m:r>
-                        <a:rPr lang="en-AU" smtClean="0">
-                          <a:solidFill>
-                            <a:srgbClr val="000000"/>
-                          </a:solidFill>
-                          <a:latin typeface="Cambria Math" panose="02040503050406030204" pitchFamily="18" charset="0"/>
-                        </a:rPr>
-                        <m:t>1</m:t>
-                      </m:r>
-                      <m:r>
-                        <a:rPr lang="en-AU" smtClean="0">
-                          <a:solidFill>
-                            <a:srgbClr val="000000"/>
-                          </a:solidFill>
-                          <a:latin typeface="Cambria Math" panose="02040503050406030204" pitchFamily="18" charset="0"/>
-                        </a:rPr>
-                        <m:t>)</m:t>
+                        <m:t>=1)</m:t>
                       </m:r>
                     </m:oMath>
                   </m:oMathPara>
@@ -17716,8 +17428,8 @@
           <a:chExt cx="0" cy="0"/>
         </a:xfrm>
       </p:grpSpPr>
-      <mc:AlternateContent xmlns:mc="http://schemas.openxmlformats.org/markup-compatibility/2006">
-        <mc:Choice xmlns:a14="http://schemas.microsoft.com/office/drawing/2010/main" Requires="a14">
+      <mc:AlternateContent xmlns:mc="http://schemas.openxmlformats.org/markup-compatibility/2006" xmlns:a14="http://schemas.microsoft.com/office/drawing/2010/main">
+        <mc:Choice Requires="a14">
           <p:sp>
             <p:nvSpPr>
               <p:cNvPr id="21" name="Textfeld 20">
@@ -19600,7 +19312,7 @@
             </p:txBody>
           </p:sp>
         </mc:Choice>
-        <mc:Fallback>
+        <mc:Fallback xmlns="">
           <p:sp>
             <p:nvSpPr>
               <p:cNvPr id="21" name="Textfeld 20">
@@ -19810,6 +19522,14 @@
 <file path=ppt/slides/slide19.xml><?xml version="1.0" encoding="utf-8"?>
 <p:sld xmlns:a="http://schemas.openxmlformats.org/drawingml/2006/main" xmlns:r="http://schemas.openxmlformats.org/officeDocument/2006/relationships" xmlns:p="http://schemas.openxmlformats.org/presentationml/2006/main">
   <p:cSld>
+    <p:bg>
+      <p:bgPr>
+        <a:solidFill>
+          <a:schemeClr val="bg1"/>
+        </a:solidFill>
+        <a:effectLst/>
+      </p:bgPr>
+    </p:bg>
     <p:spTree>
       <p:nvGrpSpPr>
         <p:cNvPr id="1" name=""/>
@@ -19923,7 +19643,7 @@
           <p:nvPr/>
         </p:nvPicPr>
         <p:blipFill>
-          <a:blip r:embed="rId2">
+          <a:blip r:embed="rId3">
             <a:duotone>
               <a:prstClr val="black"/>
               <a:srgbClr val="D9C3A5">
@@ -20001,7 +19721,7 @@
     </p:extLst>
   </p:cSld>
   <p:clrMapOvr>
-    <a:masterClrMapping/>
+    <a:overrideClrMapping bg1="lt1" tx1="dk1" bg2="lt2" tx2="dk2" accent1="accent1" accent2="accent2" accent3="accent3" accent4="accent4" accent5="accent5" accent6="accent6" hlink="hlink" folHlink="folHlink"/>
   </p:clrMapOvr>
 </p:sld>
 </file>
@@ -20145,10 +19865,10 @@
       </p:pic>
       <p:sp>
         <p:nvSpPr>
-          <p:cNvPr id="6" name="Textfeld 5">
+          <p:cNvPr id="2" name="Textfeld 1">
             <a:extLst>
               <a:ext uri="{FF2B5EF4-FFF2-40B4-BE49-F238E27FC236}">
-                <a16:creationId xmlns:a16="http://schemas.microsoft.com/office/drawing/2014/main" id="{F77BA472-EFE9-44C1-A484-086A386FD914}"/>
+                <a16:creationId xmlns:a16="http://schemas.microsoft.com/office/drawing/2014/main" id="{B6DC45A3-56D4-44A0-9A03-CBE3EA2CBB7B}"/>
               </a:ext>
             </a:extLst>
           </p:cNvPr>
@@ -20157,7 +19877,7 @@
         </p:nvSpPr>
         <p:spPr>
           <a:xfrm rot="2069043">
-            <a:off x="3503773" y="2921168"/>
+            <a:off x="3503773" y="3355349"/>
             <a:ext cx="2136454" cy="1015663"/>
           </a:xfrm>
           <a:prstGeom prst="rect">
@@ -24985,6 +24705,14 @@
 <file path=ppt/slides/slide22.xml><?xml version="1.0" encoding="utf-8"?>
 <p:sld xmlns:a="http://schemas.openxmlformats.org/drawingml/2006/main" xmlns:r="http://schemas.openxmlformats.org/officeDocument/2006/relationships" xmlns:p="http://schemas.openxmlformats.org/presentationml/2006/main">
   <p:cSld>
+    <p:bg>
+      <p:bgPr>
+        <a:solidFill>
+          <a:schemeClr val="bg1"/>
+        </a:solidFill>
+        <a:effectLst/>
+      </p:bgPr>
+    </p:bg>
     <p:spTree>
       <p:nvGrpSpPr>
         <p:cNvPr id="1" name=""/>
@@ -25098,7 +24826,15 @@
           <p:nvPr/>
         </p:nvPicPr>
         <p:blipFill>
-          <a:blip r:embed="rId2"/>
+          <a:blip r:embed="rId3">
+            <a:duotone>
+              <a:prstClr val="black"/>
+              <a:srgbClr val="D9C3A5">
+                <a:tint val="50000"/>
+                <a:satMod val="180000"/>
+              </a:srgbClr>
+            </a:duotone>
+          </a:blip>
           <a:stretch>
             <a:fillRect/>
           </a:stretch>
@@ -25113,6 +24849,53 @@
           </a:prstGeom>
         </p:spPr>
       </p:pic>
+      <p:sp>
+        <p:nvSpPr>
+          <p:cNvPr id="5" name="Textfeld 4">
+            <a:extLst>
+              <a:ext uri="{FF2B5EF4-FFF2-40B4-BE49-F238E27FC236}">
+                <a16:creationId xmlns:a16="http://schemas.microsoft.com/office/drawing/2014/main" id="{076F43A6-B726-420F-BA2D-AA250F33CE9E}"/>
+              </a:ext>
+            </a:extLst>
+          </p:cNvPr>
+          <p:cNvSpPr txBox="1"/>
+          <p:nvPr/>
+        </p:nvSpPr>
+        <p:spPr>
+          <a:xfrm rot="2069043">
+            <a:off x="3503773" y="3355349"/>
+            <a:ext cx="2136454" cy="1015663"/>
+          </a:xfrm>
+          <a:prstGeom prst="rect">
+            <a:avLst/>
+          </a:prstGeom>
+          <a:solidFill>
+            <a:schemeClr val="bg1"/>
+          </a:solidFill>
+          <a:ln>
+            <a:solidFill>
+              <a:srgbClr val="FF0000"/>
+            </a:solidFill>
+          </a:ln>
+        </p:spPr>
+        <p:txBody>
+          <a:bodyPr wrap="square" rtlCol="0">
+            <a:spAutoFit/>
+          </a:bodyPr>
+          <a:lstStyle/>
+          <a:p>
+            <a:pPr algn="ctr"/>
+            <a:r>
+              <a:rPr lang="de-DE" sz="6000" b="1" dirty="0">
+                <a:solidFill>
+                  <a:srgbClr val="FF0000"/>
+                </a:solidFill>
+              </a:rPr>
+              <a:t>OLD</a:t>
+            </a:r>
+          </a:p>
+        </p:txBody>
+      </p:sp>
     </p:spTree>
     <p:extLst>
       <p:ext uri="{BB962C8B-B14F-4D97-AF65-F5344CB8AC3E}">
@@ -25121,7 +24904,7 @@
     </p:extLst>
   </p:cSld>
   <p:clrMapOvr>
-    <a:masterClrMapping/>
+    <a:overrideClrMapping bg1="lt1" tx1="dk1" bg2="lt2" tx2="dk2" accent1="accent1" accent2="accent2" accent3="accent3" accent4="accent4" accent5="accent5" accent6="accent6" hlink="hlink" folHlink="folHlink"/>
   </p:clrMapOvr>
 </p:sld>
 </file>
@@ -27542,7 +27325,9 @@
         </p:nvSpPr>
         <p:spPr/>
         <p:txBody>
-          <a:bodyPr/>
+          <a:bodyPr>
+            <a:normAutofit fontScale="90000"/>
+          </a:bodyPr>
           <a:lstStyle/>
           <a:p>
             <a:endParaRPr lang="de-DE"/>
@@ -27621,7 +27406,15 @@
           <p:nvPr/>
         </p:nvPicPr>
         <p:blipFill>
-          <a:blip r:embed="rId2"/>
+          <a:blip r:embed="rId2">
+            <a:duotone>
+              <a:prstClr val="black"/>
+              <a:srgbClr val="D9C3A5">
+                <a:tint val="50000"/>
+                <a:satMod val="180000"/>
+              </a:srgbClr>
+            </a:duotone>
+          </a:blip>
           <a:stretch>
             <a:fillRect/>
           </a:stretch>
@@ -27636,6 +27429,53 @@
           </a:prstGeom>
         </p:spPr>
       </p:pic>
+      <p:sp>
+        <p:nvSpPr>
+          <p:cNvPr id="5" name="Textfeld 4">
+            <a:extLst>
+              <a:ext uri="{FF2B5EF4-FFF2-40B4-BE49-F238E27FC236}">
+                <a16:creationId xmlns:a16="http://schemas.microsoft.com/office/drawing/2014/main" id="{4E4F35FB-9851-445A-9526-5E3128DD9314}"/>
+              </a:ext>
+            </a:extLst>
+          </p:cNvPr>
+          <p:cNvSpPr txBox="1"/>
+          <p:nvPr/>
+        </p:nvSpPr>
+        <p:spPr>
+          <a:xfrm rot="2069043">
+            <a:off x="3503773" y="3355349"/>
+            <a:ext cx="2136454" cy="1015663"/>
+          </a:xfrm>
+          <a:prstGeom prst="rect">
+            <a:avLst/>
+          </a:prstGeom>
+          <a:solidFill>
+            <a:schemeClr val="bg1"/>
+          </a:solidFill>
+          <a:ln>
+            <a:solidFill>
+              <a:srgbClr val="FF0000"/>
+            </a:solidFill>
+          </a:ln>
+        </p:spPr>
+        <p:txBody>
+          <a:bodyPr wrap="square" rtlCol="0">
+            <a:spAutoFit/>
+          </a:bodyPr>
+          <a:lstStyle/>
+          <a:p>
+            <a:pPr algn="ctr"/>
+            <a:r>
+              <a:rPr lang="de-DE" sz="6000" b="1" dirty="0">
+                <a:solidFill>
+                  <a:srgbClr val="FF0000"/>
+                </a:solidFill>
+              </a:rPr>
+              <a:t>OLD</a:t>
+            </a:r>
+          </a:p>
+        </p:txBody>
+      </p:sp>
     </p:spTree>
     <p:extLst>
       <p:ext uri="{BB962C8B-B14F-4D97-AF65-F5344CB8AC3E}">
@@ -27684,7 +27524,9 @@
         </p:nvSpPr>
         <p:spPr/>
         <p:txBody>
-          <a:bodyPr/>
+          <a:bodyPr>
+            <a:normAutofit fontScale="90000"/>
+          </a:bodyPr>
           <a:lstStyle/>
           <a:p>
             <a:endParaRPr lang="de-DE"/>
@@ -27763,7 +27605,15 @@
           <p:nvPr/>
         </p:nvPicPr>
         <p:blipFill>
-          <a:blip r:embed="rId2"/>
+          <a:blip r:embed="rId2">
+            <a:duotone>
+              <a:prstClr val="black"/>
+              <a:srgbClr val="D9C3A5">
+                <a:tint val="50000"/>
+                <a:satMod val="180000"/>
+              </a:srgbClr>
+            </a:duotone>
+          </a:blip>
           <a:stretch>
             <a:fillRect/>
           </a:stretch>
@@ -27778,6 +27628,53 @@
           </a:prstGeom>
         </p:spPr>
       </p:pic>
+      <p:sp>
+        <p:nvSpPr>
+          <p:cNvPr id="5" name="Textfeld 4">
+            <a:extLst>
+              <a:ext uri="{FF2B5EF4-FFF2-40B4-BE49-F238E27FC236}">
+                <a16:creationId xmlns:a16="http://schemas.microsoft.com/office/drawing/2014/main" id="{9C73886C-C6E0-4B20-92F4-F789584283E8}"/>
+              </a:ext>
+            </a:extLst>
+          </p:cNvPr>
+          <p:cNvSpPr txBox="1"/>
+          <p:nvPr/>
+        </p:nvSpPr>
+        <p:spPr>
+          <a:xfrm rot="2069043">
+            <a:off x="3503773" y="3355349"/>
+            <a:ext cx="2136454" cy="1015663"/>
+          </a:xfrm>
+          <a:prstGeom prst="rect">
+            <a:avLst/>
+          </a:prstGeom>
+          <a:solidFill>
+            <a:schemeClr val="bg1"/>
+          </a:solidFill>
+          <a:ln>
+            <a:solidFill>
+              <a:srgbClr val="FF0000"/>
+            </a:solidFill>
+          </a:ln>
+        </p:spPr>
+        <p:txBody>
+          <a:bodyPr wrap="square" rtlCol="0">
+            <a:spAutoFit/>
+          </a:bodyPr>
+          <a:lstStyle/>
+          <a:p>
+            <a:pPr algn="ctr"/>
+            <a:r>
+              <a:rPr lang="de-DE" sz="6000" b="1" dirty="0">
+                <a:solidFill>
+                  <a:srgbClr val="FF0000"/>
+                </a:solidFill>
+              </a:rPr>
+              <a:t>OLD</a:t>
+            </a:r>
+          </a:p>
+        </p:txBody>
+      </p:sp>
     </p:spTree>
     <p:extLst>
       <p:ext uri="{BB962C8B-B14F-4D97-AF65-F5344CB8AC3E}">
@@ -27826,7 +27723,9 @@
         </p:nvSpPr>
         <p:spPr/>
         <p:txBody>
-          <a:bodyPr/>
+          <a:bodyPr>
+            <a:normAutofit fontScale="90000"/>
+          </a:bodyPr>
           <a:lstStyle/>
           <a:p>
             <a:endParaRPr lang="de-DE"/>
@@ -27905,7 +27804,15 @@
           <p:nvPr/>
         </p:nvPicPr>
         <p:blipFill>
-          <a:blip r:embed="rId2"/>
+          <a:blip r:embed="rId2">
+            <a:duotone>
+              <a:prstClr val="black"/>
+              <a:srgbClr val="D9C3A5">
+                <a:tint val="50000"/>
+                <a:satMod val="180000"/>
+              </a:srgbClr>
+            </a:duotone>
+          </a:blip>
           <a:stretch>
             <a:fillRect/>
           </a:stretch>
@@ -27920,6 +27827,53 @@
           </a:prstGeom>
         </p:spPr>
       </p:pic>
+      <p:sp>
+        <p:nvSpPr>
+          <p:cNvPr id="5" name="Textfeld 4">
+            <a:extLst>
+              <a:ext uri="{FF2B5EF4-FFF2-40B4-BE49-F238E27FC236}">
+                <a16:creationId xmlns:a16="http://schemas.microsoft.com/office/drawing/2014/main" id="{C1AD6585-62A4-48C2-99A9-1BF9D6AB3576}"/>
+              </a:ext>
+            </a:extLst>
+          </p:cNvPr>
+          <p:cNvSpPr txBox="1"/>
+          <p:nvPr/>
+        </p:nvSpPr>
+        <p:spPr>
+          <a:xfrm rot="2069043">
+            <a:off x="3503773" y="3355349"/>
+            <a:ext cx="2136454" cy="1015663"/>
+          </a:xfrm>
+          <a:prstGeom prst="rect">
+            <a:avLst/>
+          </a:prstGeom>
+          <a:solidFill>
+            <a:schemeClr val="bg1"/>
+          </a:solidFill>
+          <a:ln>
+            <a:solidFill>
+              <a:srgbClr val="FF0000"/>
+            </a:solidFill>
+          </a:ln>
+        </p:spPr>
+        <p:txBody>
+          <a:bodyPr wrap="square" rtlCol="0">
+            <a:spAutoFit/>
+          </a:bodyPr>
+          <a:lstStyle/>
+          <a:p>
+            <a:pPr algn="ctr"/>
+            <a:r>
+              <a:rPr lang="de-DE" sz="6000" b="1" dirty="0">
+                <a:solidFill>
+                  <a:srgbClr val="FF0000"/>
+                </a:solidFill>
+              </a:rPr>
+              <a:t>OLD</a:t>
+            </a:r>
+          </a:p>
+        </p:txBody>
+      </p:sp>
     </p:spTree>
     <p:extLst>
       <p:ext uri="{BB962C8B-B14F-4D97-AF65-F5344CB8AC3E}">
@@ -29027,6 +28981,14 @@
 <file path=ppt/slides/slide28.xml><?xml version="1.0" encoding="utf-8"?>
 <p:sld xmlns:a="http://schemas.openxmlformats.org/drawingml/2006/main" xmlns:r="http://schemas.openxmlformats.org/officeDocument/2006/relationships" xmlns:p="http://schemas.openxmlformats.org/presentationml/2006/main">
   <p:cSld>
+    <p:bg>
+      <p:bgPr>
+        <a:solidFill>
+          <a:schemeClr val="bg1"/>
+        </a:solidFill>
+        <a:effectLst/>
+      </p:bgPr>
+    </p:bg>
     <p:spTree>
       <p:nvGrpSpPr>
         <p:cNvPr id="1" name=""/>
@@ -29059,7 +29021,9 @@
         </p:nvSpPr>
         <p:spPr/>
         <p:txBody>
-          <a:bodyPr/>
+          <a:bodyPr>
+            <a:normAutofit fontScale="90000"/>
+          </a:bodyPr>
           <a:lstStyle/>
           <a:p>
             <a:endParaRPr lang="de-DE"/>
@@ -29138,7 +29102,15 @@
           <p:nvPr/>
         </p:nvPicPr>
         <p:blipFill>
-          <a:blip r:embed="rId2"/>
+          <a:blip r:embed="rId3">
+            <a:duotone>
+              <a:prstClr val="black"/>
+              <a:srgbClr val="D9C3A5">
+                <a:tint val="50000"/>
+                <a:satMod val="180000"/>
+              </a:srgbClr>
+            </a:duotone>
+          </a:blip>
           <a:stretch>
             <a:fillRect/>
           </a:stretch>
@@ -29153,6 +29125,53 @@
           </a:prstGeom>
         </p:spPr>
       </p:pic>
+      <p:sp>
+        <p:nvSpPr>
+          <p:cNvPr id="5" name="Textfeld 4">
+            <a:extLst>
+              <a:ext uri="{FF2B5EF4-FFF2-40B4-BE49-F238E27FC236}">
+                <a16:creationId xmlns:a16="http://schemas.microsoft.com/office/drawing/2014/main" id="{A746EBD5-3286-4224-9087-C601F8D3BC76}"/>
+              </a:ext>
+            </a:extLst>
+          </p:cNvPr>
+          <p:cNvSpPr txBox="1"/>
+          <p:nvPr/>
+        </p:nvSpPr>
+        <p:spPr>
+          <a:xfrm rot="2069043">
+            <a:off x="3503773" y="3355349"/>
+            <a:ext cx="2136454" cy="1015663"/>
+          </a:xfrm>
+          <a:prstGeom prst="rect">
+            <a:avLst/>
+          </a:prstGeom>
+          <a:solidFill>
+            <a:schemeClr val="bg1"/>
+          </a:solidFill>
+          <a:ln>
+            <a:solidFill>
+              <a:srgbClr val="FF0000"/>
+            </a:solidFill>
+          </a:ln>
+        </p:spPr>
+        <p:txBody>
+          <a:bodyPr wrap="square" rtlCol="0">
+            <a:spAutoFit/>
+          </a:bodyPr>
+          <a:lstStyle/>
+          <a:p>
+            <a:pPr algn="ctr"/>
+            <a:r>
+              <a:rPr lang="de-DE" sz="6000" b="1" dirty="0">
+                <a:solidFill>
+                  <a:srgbClr val="FF0000"/>
+                </a:solidFill>
+              </a:rPr>
+              <a:t>OLD</a:t>
+            </a:r>
+          </a:p>
+        </p:txBody>
+      </p:sp>
     </p:spTree>
     <p:extLst>
       <p:ext uri="{BB962C8B-B14F-4D97-AF65-F5344CB8AC3E}">
@@ -29161,7 +29180,7 @@
     </p:extLst>
   </p:cSld>
   <p:clrMapOvr>
-    <a:masterClrMapping/>
+    <a:overrideClrMapping bg1="lt1" tx1="dk1" bg2="lt2" tx2="dk2" accent1="accent1" accent2="accent2" accent3="accent3" accent4="accent4" accent5="accent5" accent6="accent6" hlink="hlink" folHlink="folHlink"/>
   </p:clrMapOvr>
 </p:sld>
 </file>
@@ -32346,10 +32365,10 @@
       </p:pic>
       <p:sp>
         <p:nvSpPr>
-          <p:cNvPr id="4" name="Textfeld 3">
+          <p:cNvPr id="2" name="Textfeld 1">
             <a:extLst>
               <a:ext uri="{FF2B5EF4-FFF2-40B4-BE49-F238E27FC236}">
-                <a16:creationId xmlns:a16="http://schemas.microsoft.com/office/drawing/2014/main" id="{B23DD0B3-2B60-44B7-B83F-D35D314BC8F6}"/>
+                <a16:creationId xmlns:a16="http://schemas.microsoft.com/office/drawing/2014/main" id="{C58B033D-841B-4178-9AB2-1397CA7B51F6}"/>
               </a:ext>
             </a:extLst>
           </p:cNvPr>
@@ -32358,7 +32377,7 @@
         </p:nvSpPr>
         <p:spPr>
           <a:xfrm rot="2069043">
-            <a:off x="3503773" y="3187868"/>
+            <a:off x="3503773" y="3355349"/>
             <a:ext cx="2136454" cy="1015663"/>
           </a:xfrm>
           <a:prstGeom prst="rect">
@@ -35176,10 +35195,10 @@
       </p:pic>
       <p:sp>
         <p:nvSpPr>
-          <p:cNvPr id="4" name="Textfeld 3">
+          <p:cNvPr id="2" name="Textfeld 1">
             <a:extLst>
               <a:ext uri="{FF2B5EF4-FFF2-40B4-BE49-F238E27FC236}">
-                <a16:creationId xmlns:a16="http://schemas.microsoft.com/office/drawing/2014/main" id="{F444A24A-E069-4E3D-915A-92BF1A9F0BCC}"/>
+                <a16:creationId xmlns:a16="http://schemas.microsoft.com/office/drawing/2014/main" id="{DBB05AD3-2880-4737-9C92-6FDAD3461031}"/>
               </a:ext>
             </a:extLst>
           </p:cNvPr>
@@ -35188,7 +35207,7 @@
         </p:nvSpPr>
         <p:spPr>
           <a:xfrm rot="2069043">
-            <a:off x="3503772" y="2921168"/>
+            <a:off x="3503773" y="3355349"/>
             <a:ext cx="2136454" cy="1015663"/>
           </a:xfrm>
           <a:prstGeom prst="rect">
@@ -35373,10 +35392,10 @@
       </p:pic>
       <p:sp>
         <p:nvSpPr>
-          <p:cNvPr id="4" name="Textfeld 3">
+          <p:cNvPr id="2" name="Textfeld 1">
             <a:extLst>
               <a:ext uri="{FF2B5EF4-FFF2-40B4-BE49-F238E27FC236}">
-                <a16:creationId xmlns:a16="http://schemas.microsoft.com/office/drawing/2014/main" id="{0DBC8E49-65D0-459F-A588-BB74FCB87B0E}"/>
+                <a16:creationId xmlns:a16="http://schemas.microsoft.com/office/drawing/2014/main" id="{0A633EA8-694D-4B7D-B3F5-749D007DA479}"/>
               </a:ext>
             </a:extLst>
           </p:cNvPr>
@@ -35385,7 +35404,7 @@
         </p:nvSpPr>
         <p:spPr>
           <a:xfrm rot="2069043">
-            <a:off x="3503773" y="2911950"/>
+            <a:off x="3503773" y="3355349"/>
             <a:ext cx="2136454" cy="1015663"/>
           </a:xfrm>
           <a:prstGeom prst="rect">
@@ -39357,10 +39376,10 @@
       </p:pic>
       <p:sp>
         <p:nvSpPr>
-          <p:cNvPr id="4" name="Textfeld 3">
+          <p:cNvPr id="2" name="Textfeld 1">
             <a:extLst>
               <a:ext uri="{FF2B5EF4-FFF2-40B4-BE49-F238E27FC236}">
-                <a16:creationId xmlns:a16="http://schemas.microsoft.com/office/drawing/2014/main" id="{E8BFEA65-D9C9-42E2-B26A-4FDAF89C568F}"/>
+                <a16:creationId xmlns:a16="http://schemas.microsoft.com/office/drawing/2014/main" id="{6FB086AB-675F-4054-8B7F-BFEC3B8C1D91}"/>
               </a:ext>
             </a:extLst>
           </p:cNvPr>
@@ -39369,7 +39388,7 @@
         </p:nvSpPr>
         <p:spPr>
           <a:xfrm rot="2069043">
-            <a:off x="3503772" y="2921168"/>
+            <a:off x="3503773" y="3355349"/>
             <a:ext cx="2136454" cy="1015663"/>
           </a:xfrm>
           <a:prstGeom prst="rect">
@@ -39554,10 +39573,10 @@
       </p:pic>
       <p:sp>
         <p:nvSpPr>
-          <p:cNvPr id="4" name="Textfeld 3">
+          <p:cNvPr id="2" name="Textfeld 1">
             <a:extLst>
               <a:ext uri="{FF2B5EF4-FFF2-40B4-BE49-F238E27FC236}">
-                <a16:creationId xmlns:a16="http://schemas.microsoft.com/office/drawing/2014/main" id="{743BF3BB-D328-46EB-BB49-845498131BE4}"/>
+                <a16:creationId xmlns:a16="http://schemas.microsoft.com/office/drawing/2014/main" id="{9B58313E-66BA-4A64-883F-7C1AC69BD9E3}"/>
               </a:ext>
             </a:extLst>
           </p:cNvPr>
@@ -39566,7 +39585,7 @@
         </p:nvSpPr>
         <p:spPr>
           <a:xfrm rot="2069043">
-            <a:off x="3503772" y="2921168"/>
+            <a:off x="3503773" y="3355349"/>
             <a:ext cx="2136454" cy="1015663"/>
           </a:xfrm>
           <a:prstGeom prst="rect">
@@ -40411,4 +40430,133 @@
   <a:objectDefaults/>
   <a:extraClrSchemeLst/>
 </a:theme>
+</file>
+
+<file path=ppt/theme/themeOverride1.xml><?xml version="1.0" encoding="utf-8"?>
+<a:themeOverride xmlns:a="http://schemas.openxmlformats.org/drawingml/2006/main">
+  <a:clrScheme name="Office">
+    <a:dk1>
+      <a:sysClr val="windowText" lastClr="000000"/>
+    </a:dk1>
+    <a:lt1>
+      <a:sysClr val="window" lastClr="FFFFFF"/>
+    </a:lt1>
+    <a:dk2>
+      <a:srgbClr val="1F497D"/>
+    </a:dk2>
+    <a:lt2>
+      <a:srgbClr val="EEECE1"/>
+    </a:lt2>
+    <a:accent1>
+      <a:srgbClr val="4F81BD"/>
+    </a:accent1>
+    <a:accent2>
+      <a:srgbClr val="C0504D"/>
+    </a:accent2>
+    <a:accent3>
+      <a:srgbClr val="9BBB59"/>
+    </a:accent3>
+    <a:accent4>
+      <a:srgbClr val="8064A2"/>
+    </a:accent4>
+    <a:accent5>
+      <a:srgbClr val="4BACC6"/>
+    </a:accent5>
+    <a:accent6>
+      <a:srgbClr val="F79646"/>
+    </a:accent6>
+    <a:hlink>
+      <a:srgbClr val="0000FF"/>
+    </a:hlink>
+    <a:folHlink>
+      <a:srgbClr val="800080"/>
+    </a:folHlink>
+  </a:clrScheme>
+</a:themeOverride>
+</file>
+
+<file path=ppt/theme/themeOverride2.xml><?xml version="1.0" encoding="utf-8"?>
+<a:themeOverride xmlns:a="http://schemas.openxmlformats.org/drawingml/2006/main">
+  <a:clrScheme name="Office">
+    <a:dk1>
+      <a:sysClr val="windowText" lastClr="000000"/>
+    </a:dk1>
+    <a:lt1>
+      <a:sysClr val="window" lastClr="FFFFFF"/>
+    </a:lt1>
+    <a:dk2>
+      <a:srgbClr val="1F497D"/>
+    </a:dk2>
+    <a:lt2>
+      <a:srgbClr val="EEECE1"/>
+    </a:lt2>
+    <a:accent1>
+      <a:srgbClr val="4F81BD"/>
+    </a:accent1>
+    <a:accent2>
+      <a:srgbClr val="C0504D"/>
+    </a:accent2>
+    <a:accent3>
+      <a:srgbClr val="9BBB59"/>
+    </a:accent3>
+    <a:accent4>
+      <a:srgbClr val="8064A2"/>
+    </a:accent4>
+    <a:accent5>
+      <a:srgbClr val="4BACC6"/>
+    </a:accent5>
+    <a:accent6>
+      <a:srgbClr val="F79646"/>
+    </a:accent6>
+    <a:hlink>
+      <a:srgbClr val="0000FF"/>
+    </a:hlink>
+    <a:folHlink>
+      <a:srgbClr val="800080"/>
+    </a:folHlink>
+  </a:clrScheme>
+</a:themeOverride>
+</file>
+
+<file path=ppt/theme/themeOverride3.xml><?xml version="1.0" encoding="utf-8"?>
+<a:themeOverride xmlns:a="http://schemas.openxmlformats.org/drawingml/2006/main">
+  <a:clrScheme name="Office">
+    <a:dk1>
+      <a:sysClr val="windowText" lastClr="000000"/>
+    </a:dk1>
+    <a:lt1>
+      <a:sysClr val="window" lastClr="FFFFFF"/>
+    </a:lt1>
+    <a:dk2>
+      <a:srgbClr val="1F497D"/>
+    </a:dk2>
+    <a:lt2>
+      <a:srgbClr val="EEECE1"/>
+    </a:lt2>
+    <a:accent1>
+      <a:srgbClr val="4F81BD"/>
+    </a:accent1>
+    <a:accent2>
+      <a:srgbClr val="C0504D"/>
+    </a:accent2>
+    <a:accent3>
+      <a:srgbClr val="9BBB59"/>
+    </a:accent3>
+    <a:accent4>
+      <a:srgbClr val="8064A2"/>
+    </a:accent4>
+    <a:accent5>
+      <a:srgbClr val="4BACC6"/>
+    </a:accent5>
+    <a:accent6>
+      <a:srgbClr val="F79646"/>
+    </a:accent6>
+    <a:hlink>
+      <a:srgbClr val="0000FF"/>
+    </a:hlink>
+    <a:folHlink>
+      <a:srgbClr val="800080"/>
+    </a:folHlink>
+  </a:clrScheme>
+</a:themeOverride>
 </file>